--- a/ZOTERO.pptx
+++ b/ZOTERO.pptx
@@ -120,7 +120,7 @@
   </p:defaultTextStyle>
   <p:extLst>
     <p:ext uri="{EFAFB233-063F-42B5-8137-9DF3F51BA10A}">
-      <p15:sldGuideLst xmlns:p15="http://schemas.microsoft.com/office/powerpoint/2012/main">
+      <p15:sldGuideLst xmlns:p15="http://schemas.microsoft.com/office/powerpoint/2012/main" xmlns="">
         <p15:guide id="1" pos="3839" userDrawn="1">
           <p15:clr>
             <a:srgbClr val="A4A3A4"/>
@@ -134,7 +134,7 @@
       </p15:sldGuideLst>
     </p:ext>
     <p:ext uri="{2D200454-40CA-4A62-9FC3-DE9A4176ACB9}">
-      <p15:notesGuideLst xmlns:p15="http://schemas.microsoft.com/office/powerpoint/2012/main"/>
+      <p15:notesGuideLst xmlns:p15="http://schemas.microsoft.com/office/powerpoint/2012/main" xmlns=""/>
     </p:ext>
   </p:extLst>
 </p:presentation>
@@ -145,7 +145,7 @@
   <p:cmAuthor id="1" name="Windows User" initials="WU" lastIdx="1" clrIdx="0">
     <p:extLst>
       <p:ext uri="{19B8F6BF-5375-455C-9EA6-DF929625EA0E}">
-        <p15:presenceInfo xmlns:p15="http://schemas.microsoft.com/office/powerpoint/2012/main" userId="Windows User" providerId="None"/>
+        <p15:presenceInfo xmlns:p15="http://schemas.microsoft.com/office/powerpoint/2012/main" xmlns="" userId="Windows User" providerId="None"/>
       </p:ext>
     </p:extLst>
   </p:cmAuthor>
@@ -159,7 +159,7 @@
     <p:text/>
     <p:extLst>
       <p:ext uri="{C676402C-5697-4E1C-873F-D02D1690AC5C}">
-        <p15:threadingInfo xmlns:p15="http://schemas.microsoft.com/office/powerpoint/2012/main" timeZoneBias="-420"/>
+        <p15:threadingInfo xmlns:p15="http://schemas.microsoft.com/office/powerpoint/2012/main" xmlns="" timeZoneBias="-420"/>
       </p:ext>
     </p:extLst>
   </p:cm>
@@ -1386,15 +1386,15 @@
     </dgm:pt>
   </dgm:ptLst>
   <dgm:cxnLst>
+    <dgm:cxn modelId="{A08CE81F-A93E-429F-943D-3B3662A0C042}" type="presOf" srcId="{F6D27D1B-CDCB-481F-B8FA-AB31B2A119DE}" destId="{029D1FDE-4DD7-4FA5-8C70-0C747477B66C}" srcOrd="0" destOrd="0" presId="urn:microsoft.com/office/officeart/2005/8/layout/hProcess4"/>
+    <dgm:cxn modelId="{1423FC72-83C7-4510-8021-28EAEA493E68}" srcId="{0E9DE493-19D7-4EC9-97C9-5F26233F1106}" destId="{FB986F71-3126-4196-BD30-74AEDC39A1CA}" srcOrd="0" destOrd="0" parTransId="{9B3CE34A-9B3E-4D5F-94E0-DFBB94FF5A03}" sibTransId="{D0B150DF-3AA4-454C-8652-25880449C422}"/>
+    <dgm:cxn modelId="{95276BC3-D2A9-422F-9390-BED3FD8C7BB0}" type="presOf" srcId="{0E9DE493-19D7-4EC9-97C9-5F26233F1106}" destId="{3960CFF8-4383-4382-8D6D-F2A00F508E8D}" srcOrd="0" destOrd="0" presId="urn:microsoft.com/office/officeart/2005/8/layout/hProcess4"/>
+    <dgm:cxn modelId="{241A4F42-3815-4A3A-A31B-C5E11FFB5E6D}" type="presOf" srcId="{FB986F71-3126-4196-BD30-74AEDC39A1CA}" destId="{E18C6CF4-EDEB-4539-A36D-E0355B626199}" srcOrd="0" destOrd="0" presId="urn:microsoft.com/office/officeart/2005/8/layout/hProcess4"/>
+    <dgm:cxn modelId="{ECE9152A-59A8-4A3A-9D34-DB38A074F636}" srcId="{0E9DE493-19D7-4EC9-97C9-5F26233F1106}" destId="{58828492-5CEF-4AFE-95CB-5D7E6A18158B}" srcOrd="2" destOrd="0" parTransId="{F664BA43-1B81-496F-A04E-CE4B4A525697}" sibTransId="{2D386477-EC66-449A-8D41-5F8A212C3D8E}"/>
+    <dgm:cxn modelId="{E95209FE-82B0-40EF-AFE6-D8CCCCEA50E1}" type="presOf" srcId="{7AEB6639-3258-49E8-8B1F-B4A9C61922BE}" destId="{DC2A0ADB-DCE3-4BF4-9952-0394865777AC}" srcOrd="0" destOrd="0" presId="urn:microsoft.com/office/officeart/2005/8/layout/hProcess4"/>
     <dgm:cxn modelId="{4E74EABF-20DE-46D5-9BE9-0F84CEAF66AB}" type="presOf" srcId="{D0B150DF-3AA4-454C-8652-25880449C422}" destId="{6A63D16E-EEE6-4267-97EA-5AD7D2BC4E84}" srcOrd="0" destOrd="0" presId="urn:microsoft.com/office/officeart/2005/8/layout/hProcess4"/>
-    <dgm:cxn modelId="{1423FC72-83C7-4510-8021-28EAEA493E68}" srcId="{0E9DE493-19D7-4EC9-97C9-5F26233F1106}" destId="{FB986F71-3126-4196-BD30-74AEDC39A1CA}" srcOrd="0" destOrd="0" parTransId="{9B3CE34A-9B3E-4D5F-94E0-DFBB94FF5A03}" sibTransId="{D0B150DF-3AA4-454C-8652-25880449C422}"/>
-    <dgm:cxn modelId="{241A4F42-3815-4A3A-A31B-C5E11FFB5E6D}" type="presOf" srcId="{FB986F71-3126-4196-BD30-74AEDC39A1CA}" destId="{E18C6CF4-EDEB-4539-A36D-E0355B626199}" srcOrd="0" destOrd="0" presId="urn:microsoft.com/office/officeart/2005/8/layout/hProcess4"/>
+    <dgm:cxn modelId="{A63D53AC-541A-4D09-9620-8B1C8D7B91DE}" srcId="{0E9DE493-19D7-4EC9-97C9-5F26233F1106}" destId="{F6D27D1B-CDCB-481F-B8FA-AB31B2A119DE}" srcOrd="1" destOrd="0" parTransId="{8A7BF306-8E53-4B16-9E7E-A79AE3DF6BE2}" sibTransId="{7AEB6639-3258-49E8-8B1F-B4A9C61922BE}"/>
     <dgm:cxn modelId="{FA45DADE-266F-4B82-B02F-D2732D8D9F51}" type="presOf" srcId="{58828492-5CEF-4AFE-95CB-5D7E6A18158B}" destId="{047F5837-10E2-4FFC-A492-DB8A19EF48CA}" srcOrd="0" destOrd="0" presId="urn:microsoft.com/office/officeart/2005/8/layout/hProcess4"/>
-    <dgm:cxn modelId="{A08CE81F-A93E-429F-943D-3B3662A0C042}" type="presOf" srcId="{F6D27D1B-CDCB-481F-B8FA-AB31B2A119DE}" destId="{029D1FDE-4DD7-4FA5-8C70-0C747477B66C}" srcOrd="0" destOrd="0" presId="urn:microsoft.com/office/officeart/2005/8/layout/hProcess4"/>
-    <dgm:cxn modelId="{E95209FE-82B0-40EF-AFE6-D8CCCCEA50E1}" type="presOf" srcId="{7AEB6639-3258-49E8-8B1F-B4A9C61922BE}" destId="{DC2A0ADB-DCE3-4BF4-9952-0394865777AC}" srcOrd="0" destOrd="0" presId="urn:microsoft.com/office/officeart/2005/8/layout/hProcess4"/>
-    <dgm:cxn modelId="{A63D53AC-541A-4D09-9620-8B1C8D7B91DE}" srcId="{0E9DE493-19D7-4EC9-97C9-5F26233F1106}" destId="{F6D27D1B-CDCB-481F-B8FA-AB31B2A119DE}" srcOrd="1" destOrd="0" parTransId="{8A7BF306-8E53-4B16-9E7E-A79AE3DF6BE2}" sibTransId="{7AEB6639-3258-49E8-8B1F-B4A9C61922BE}"/>
-    <dgm:cxn modelId="{95276BC3-D2A9-422F-9390-BED3FD8C7BB0}" type="presOf" srcId="{0E9DE493-19D7-4EC9-97C9-5F26233F1106}" destId="{3960CFF8-4383-4382-8D6D-F2A00F508E8D}" srcOrd="0" destOrd="0" presId="urn:microsoft.com/office/officeart/2005/8/layout/hProcess4"/>
-    <dgm:cxn modelId="{ECE9152A-59A8-4A3A-9D34-DB38A074F636}" srcId="{0E9DE493-19D7-4EC9-97C9-5F26233F1106}" destId="{58828492-5CEF-4AFE-95CB-5D7E6A18158B}" srcOrd="2" destOrd="0" parTransId="{F664BA43-1B81-496F-A04E-CE4B4A525697}" sibTransId="{2D386477-EC66-449A-8D41-5F8A212C3D8E}"/>
     <dgm:cxn modelId="{89F19664-F574-44B4-924E-3D107B743F23}" type="presParOf" srcId="{3960CFF8-4383-4382-8D6D-F2A00F508E8D}" destId="{366CFF54-5C8F-47F9-BFD8-D9AF3EADDA3E}" srcOrd="0" destOrd="0" presId="urn:microsoft.com/office/officeart/2005/8/layout/hProcess4"/>
     <dgm:cxn modelId="{75C41B37-1CBE-4C45-8C4B-850855BD27C4}" type="presParOf" srcId="{3960CFF8-4383-4382-8D6D-F2A00F508E8D}" destId="{13688FBD-4079-41FE-A6A2-B5B0F293E6BF}" srcOrd="1" destOrd="0" presId="urn:microsoft.com/office/officeart/2005/8/layout/hProcess4"/>
     <dgm:cxn modelId="{3AA8FE4E-D0FB-4F4F-9F35-7B6B4E7D5E8D}" type="presParOf" srcId="{3960CFF8-4383-4382-8D6D-F2A00F508E8D}" destId="{224851B6-C14D-49DE-883B-A13003DA4601}" srcOrd="2" destOrd="0" presId="urn:microsoft.com/office/officeart/2005/8/layout/hProcess4"/>
@@ -7408,7 +7408,7 @@
   </p:txStyles>
   <p:extLst mod="1">
     <p:ext uri="{27BBF7A9-308A-43DC-89C8-2F10F3537804}">
-      <p15:sldGuideLst xmlns:p15="http://schemas.microsoft.com/office/powerpoint/2012/main">
+      <p15:sldGuideLst xmlns:p15="http://schemas.microsoft.com/office/powerpoint/2012/main" xmlns="">
         <p15:guide id="1" pos="3839" userDrawn="1">
           <p15:clr>
             <a:srgbClr val="F26B43"/>
@@ -7951,14 +7951,7 @@
                 <a:latin typeface="Arial" panose="020B0604020202020204" pitchFamily="34" charset="0"/>
                 <a:cs typeface="Arial" panose="020B0604020202020204" pitchFamily="34" charset="0"/>
               </a:rPr>
-              <a:t>trích </a:t>
-            </a:r>
-            <a:r>
-              <a:rPr lang="vi-VN" b="1" u="sng">
-                <a:latin typeface="Arial" panose="020B0604020202020204" pitchFamily="34" charset="0"/>
-                <a:cs typeface="Arial" panose="020B0604020202020204" pitchFamily="34" charset="0"/>
-              </a:rPr>
-              <a:t>dẫn </a:t>
+              <a:t>trích dẫn </a:t>
             </a:r>
             <a:r>
               <a:rPr lang="vi-VN" smtClean="0">
@@ -8068,14 +8061,7 @@
                 <a:latin typeface="Arial" panose="020B0604020202020204" pitchFamily="34" charset="0"/>
                 <a:cs typeface="Arial" panose="020B0604020202020204" pitchFamily="34" charset="0"/>
               </a:rPr>
-              <a:t>người dùng có thể dễ dàng trích dẫn hoặc liệt kê danh mục tài liệu tham khảo theo một số chuẩn </a:t>
-            </a:r>
-            <a:r>
-              <a:rPr lang="vi-VN">
-                <a:latin typeface="Arial" panose="020B0604020202020204" pitchFamily="34" charset="0"/>
-                <a:cs typeface="Arial" panose="020B0604020202020204" pitchFamily="34" charset="0"/>
-              </a:rPr>
-              <a:t>quốc </a:t>
+              <a:t>người dùng có thể dễ dàng trích dẫn hoặc liệt kê danh mục tài liệu tham khảo theo một số chuẩn quốc </a:t>
             </a:r>
             <a:r>
               <a:rPr lang="vi-VN" smtClean="0">
@@ -8251,7 +8237,7 @@
                 <a14:imgProps xmlns:a14="http://schemas.microsoft.com/office/drawing/2010/main">
                   <a14:imgLayer r:embed="rId4">
                     <a14:imgEffect>
-                      <a14:backgroundRemoval t="10000" b="90000" l="10000" r="90000"/>
+                      <a14:backgroundRemoval t="0" b="98667" l="11556" r="72889"/>
                     </a14:imgEffect>
                   </a14:imgLayer>
                 </a14:imgProps>
@@ -9141,7 +9127,7 @@
   <a:extraClrSchemeLst/>
   <a:extLst>
     <a:ext uri="{05A4C25C-085E-4340-85A3-A5531E510DB2}">
-      <thm15:themeFamily xmlns:thm15="http://schemas.microsoft.com/office/thememl/2012/main" name="TF02895261.potx" id="{4CBF9558-C12D-4F51-9AA3-9D0796951DBC}" vid="{FFC159E6-A134-46E7-B1A0-C306E39FC295}"/>
+      <thm15:themeFamily xmlns:thm15="http://schemas.microsoft.com/office/thememl/2012/main" xmlns="" name="TF02895261.potx" id="{4CBF9558-C12D-4F51-9AA3-9D0796951DBC}" vid="{FFC159E6-A134-46E7-B1A0-C306E39FC295}"/>
     </a:ext>
   </a:extLst>
 </a:theme>

--- a/ZOTERO.pptx
+++ b/ZOTERO.pptx
@@ -167,6 +167,753 @@
 </file>
 
 <file path=ppt/diagrams/colors1.xml><?xml version="1.0" encoding="utf-8"?>
+<dgm:colorsDef xmlns:dgm="http://schemas.openxmlformats.org/drawingml/2006/diagram" xmlns:a="http://schemas.openxmlformats.org/drawingml/2006/main" uniqueId="urn:microsoft.com/office/officeart/2005/8/colors/accent1_2">
+  <dgm:title val=""/>
+  <dgm:desc val=""/>
+  <dgm:catLst>
+    <dgm:cat type="accent1" pri="11200"/>
+  </dgm:catLst>
+  <dgm:styleLbl name="node0">
+    <dgm:fillClrLst meth="repeat">
+      <a:schemeClr val="accent1"/>
+    </dgm:fillClrLst>
+    <dgm:linClrLst meth="repeat">
+      <a:schemeClr val="lt1"/>
+    </dgm:linClrLst>
+    <dgm:effectClrLst/>
+    <dgm:txLinClrLst/>
+    <dgm:txFillClrLst/>
+    <dgm:txEffectClrLst/>
+  </dgm:styleLbl>
+  <dgm:styleLbl name="alignNode1">
+    <dgm:fillClrLst meth="repeat">
+      <a:schemeClr val="accent1"/>
+    </dgm:fillClrLst>
+    <dgm:linClrLst meth="repeat">
+      <a:schemeClr val="accent1"/>
+    </dgm:linClrLst>
+    <dgm:effectClrLst/>
+    <dgm:txLinClrLst/>
+    <dgm:txFillClrLst/>
+    <dgm:txEffectClrLst/>
+  </dgm:styleLbl>
+  <dgm:styleLbl name="node1">
+    <dgm:fillClrLst meth="repeat">
+      <a:schemeClr val="accent1"/>
+    </dgm:fillClrLst>
+    <dgm:linClrLst meth="repeat">
+      <a:schemeClr val="lt1"/>
+    </dgm:linClrLst>
+    <dgm:effectClrLst/>
+    <dgm:txLinClrLst/>
+    <dgm:txFillClrLst/>
+    <dgm:txEffectClrLst/>
+  </dgm:styleLbl>
+  <dgm:styleLbl name="lnNode1">
+    <dgm:fillClrLst meth="repeat">
+      <a:schemeClr val="accent1"/>
+    </dgm:fillClrLst>
+    <dgm:linClrLst meth="repeat">
+      <a:schemeClr val="lt1"/>
+    </dgm:linClrLst>
+    <dgm:effectClrLst/>
+    <dgm:txLinClrLst/>
+    <dgm:txFillClrLst/>
+    <dgm:txEffectClrLst/>
+  </dgm:styleLbl>
+  <dgm:styleLbl name="vennNode1">
+    <dgm:fillClrLst meth="repeat">
+      <a:schemeClr val="accent1">
+        <a:alpha val="50000"/>
+      </a:schemeClr>
+    </dgm:fillClrLst>
+    <dgm:linClrLst meth="repeat">
+      <a:schemeClr val="lt1"/>
+    </dgm:linClrLst>
+    <dgm:effectClrLst/>
+    <dgm:txLinClrLst/>
+    <dgm:txFillClrLst/>
+    <dgm:txEffectClrLst/>
+  </dgm:styleLbl>
+  <dgm:styleLbl name="node2">
+    <dgm:fillClrLst meth="repeat">
+      <a:schemeClr val="accent1"/>
+    </dgm:fillClrLst>
+    <dgm:linClrLst meth="repeat">
+      <a:schemeClr val="lt1"/>
+    </dgm:linClrLst>
+    <dgm:effectClrLst/>
+    <dgm:txLinClrLst/>
+    <dgm:txFillClrLst/>
+    <dgm:txEffectClrLst/>
+  </dgm:styleLbl>
+  <dgm:styleLbl name="node3">
+    <dgm:fillClrLst meth="repeat">
+      <a:schemeClr val="accent1"/>
+    </dgm:fillClrLst>
+    <dgm:linClrLst meth="repeat">
+      <a:schemeClr val="lt1"/>
+    </dgm:linClrLst>
+    <dgm:effectClrLst/>
+    <dgm:txLinClrLst/>
+    <dgm:txFillClrLst/>
+    <dgm:txEffectClrLst/>
+  </dgm:styleLbl>
+  <dgm:styleLbl name="node4">
+    <dgm:fillClrLst meth="repeat">
+      <a:schemeClr val="accent1"/>
+    </dgm:fillClrLst>
+    <dgm:linClrLst meth="repeat">
+      <a:schemeClr val="lt1"/>
+    </dgm:linClrLst>
+    <dgm:effectClrLst/>
+    <dgm:txLinClrLst/>
+    <dgm:txFillClrLst/>
+    <dgm:txEffectClrLst/>
+  </dgm:styleLbl>
+  <dgm:styleLbl name="fgImgPlace1">
+    <dgm:fillClrLst meth="repeat">
+      <a:schemeClr val="accent1">
+        <a:tint val="50000"/>
+      </a:schemeClr>
+    </dgm:fillClrLst>
+    <dgm:linClrLst meth="repeat">
+      <a:schemeClr val="lt1"/>
+    </dgm:linClrLst>
+    <dgm:effectClrLst/>
+    <dgm:txLinClrLst/>
+    <dgm:txFillClrLst meth="repeat">
+      <a:schemeClr val="lt1"/>
+    </dgm:txFillClrLst>
+    <dgm:txEffectClrLst/>
+  </dgm:styleLbl>
+  <dgm:styleLbl name="alignImgPlace1">
+    <dgm:fillClrLst meth="repeat">
+      <a:schemeClr val="accent1">
+        <a:tint val="50000"/>
+      </a:schemeClr>
+    </dgm:fillClrLst>
+    <dgm:linClrLst meth="repeat">
+      <a:schemeClr val="lt1"/>
+    </dgm:linClrLst>
+    <dgm:effectClrLst/>
+    <dgm:txLinClrLst/>
+    <dgm:txFillClrLst meth="repeat">
+      <a:schemeClr val="lt1"/>
+    </dgm:txFillClrLst>
+    <dgm:txEffectClrLst/>
+  </dgm:styleLbl>
+  <dgm:styleLbl name="bgImgPlace1">
+    <dgm:fillClrLst meth="repeat">
+      <a:schemeClr val="accent1">
+        <a:tint val="50000"/>
+      </a:schemeClr>
+    </dgm:fillClrLst>
+    <dgm:linClrLst meth="repeat">
+      <a:schemeClr val="lt1"/>
+    </dgm:linClrLst>
+    <dgm:effectClrLst/>
+    <dgm:txLinClrLst/>
+    <dgm:txFillClrLst meth="repeat">
+      <a:schemeClr val="lt1"/>
+    </dgm:txFillClrLst>
+    <dgm:txEffectClrLst/>
+  </dgm:styleLbl>
+  <dgm:styleLbl name="sibTrans2D1">
+    <dgm:fillClrLst meth="repeat">
+      <a:schemeClr val="accent1">
+        <a:tint val="60000"/>
+      </a:schemeClr>
+    </dgm:fillClrLst>
+    <dgm:linClrLst meth="repeat">
+      <a:schemeClr val="accent1">
+        <a:tint val="60000"/>
+      </a:schemeClr>
+    </dgm:linClrLst>
+    <dgm:effectClrLst/>
+    <dgm:txLinClrLst/>
+    <dgm:txFillClrLst/>
+    <dgm:txEffectClrLst/>
+  </dgm:styleLbl>
+  <dgm:styleLbl name="fgSibTrans2D1">
+    <dgm:fillClrLst meth="repeat">
+      <a:schemeClr val="accent1">
+        <a:tint val="60000"/>
+      </a:schemeClr>
+    </dgm:fillClrLst>
+    <dgm:linClrLst meth="repeat">
+      <a:schemeClr val="accent1">
+        <a:tint val="60000"/>
+      </a:schemeClr>
+    </dgm:linClrLst>
+    <dgm:effectClrLst/>
+    <dgm:txLinClrLst/>
+    <dgm:txFillClrLst/>
+    <dgm:txEffectClrLst/>
+  </dgm:styleLbl>
+  <dgm:styleLbl name="bgSibTrans2D1">
+    <dgm:fillClrLst meth="repeat">
+      <a:schemeClr val="accent1">
+        <a:tint val="60000"/>
+      </a:schemeClr>
+    </dgm:fillClrLst>
+    <dgm:linClrLst meth="repeat">
+      <a:schemeClr val="accent1">
+        <a:tint val="60000"/>
+      </a:schemeClr>
+    </dgm:linClrLst>
+    <dgm:effectClrLst/>
+    <dgm:txLinClrLst/>
+    <dgm:txFillClrLst/>
+    <dgm:txEffectClrLst/>
+  </dgm:styleLbl>
+  <dgm:styleLbl name="sibTrans1D1">
+    <dgm:fillClrLst meth="repeat">
+      <a:schemeClr val="accent1"/>
+    </dgm:fillClrLst>
+    <dgm:linClrLst meth="repeat">
+      <a:schemeClr val="accent1"/>
+    </dgm:linClrLst>
+    <dgm:effectClrLst/>
+    <dgm:txLinClrLst/>
+    <dgm:txFillClrLst meth="repeat">
+      <a:schemeClr val="tx1"/>
+    </dgm:txFillClrLst>
+    <dgm:txEffectClrLst/>
+  </dgm:styleLbl>
+  <dgm:styleLbl name="callout">
+    <dgm:fillClrLst meth="repeat">
+      <a:schemeClr val="accent1"/>
+    </dgm:fillClrLst>
+    <dgm:linClrLst meth="repeat">
+      <a:schemeClr val="accent1">
+        <a:tint val="50000"/>
+      </a:schemeClr>
+    </dgm:linClrLst>
+    <dgm:effectClrLst/>
+    <dgm:txLinClrLst/>
+    <dgm:txFillClrLst meth="repeat">
+      <a:schemeClr val="tx1"/>
+    </dgm:txFillClrLst>
+    <dgm:txEffectClrLst/>
+  </dgm:styleLbl>
+  <dgm:styleLbl name="asst0">
+    <dgm:fillClrLst meth="repeat">
+      <a:schemeClr val="accent1"/>
+    </dgm:fillClrLst>
+    <dgm:linClrLst meth="repeat">
+      <a:schemeClr val="lt1"/>
+    </dgm:linClrLst>
+    <dgm:effectClrLst/>
+    <dgm:txLinClrLst/>
+    <dgm:txFillClrLst/>
+    <dgm:txEffectClrLst/>
+  </dgm:styleLbl>
+  <dgm:styleLbl name="asst1">
+    <dgm:fillClrLst meth="repeat">
+      <a:schemeClr val="accent1"/>
+    </dgm:fillClrLst>
+    <dgm:linClrLst meth="repeat">
+      <a:schemeClr val="lt1"/>
+    </dgm:linClrLst>
+    <dgm:effectClrLst/>
+    <dgm:txLinClrLst/>
+    <dgm:txFillClrLst/>
+    <dgm:txEffectClrLst/>
+  </dgm:styleLbl>
+  <dgm:styleLbl name="asst2">
+    <dgm:fillClrLst meth="repeat">
+      <a:schemeClr val="accent1"/>
+    </dgm:fillClrLst>
+    <dgm:linClrLst meth="repeat">
+      <a:schemeClr val="lt1"/>
+    </dgm:linClrLst>
+    <dgm:effectClrLst/>
+    <dgm:txLinClrLst/>
+    <dgm:txFillClrLst/>
+    <dgm:txEffectClrLst/>
+  </dgm:styleLbl>
+  <dgm:styleLbl name="asst3">
+    <dgm:fillClrLst meth="repeat">
+      <a:schemeClr val="accent1"/>
+    </dgm:fillClrLst>
+    <dgm:linClrLst meth="repeat">
+      <a:schemeClr val="lt1"/>
+    </dgm:linClrLst>
+    <dgm:effectClrLst/>
+    <dgm:txLinClrLst/>
+    <dgm:txFillClrLst/>
+    <dgm:txEffectClrLst/>
+  </dgm:styleLbl>
+  <dgm:styleLbl name="asst4">
+    <dgm:fillClrLst meth="repeat">
+      <a:schemeClr val="accent1"/>
+    </dgm:fillClrLst>
+    <dgm:linClrLst meth="repeat">
+      <a:schemeClr val="lt1"/>
+    </dgm:linClrLst>
+    <dgm:effectClrLst/>
+    <dgm:txLinClrLst/>
+    <dgm:txFillClrLst/>
+    <dgm:txEffectClrLst/>
+  </dgm:styleLbl>
+  <dgm:styleLbl name="parChTrans2D1">
+    <dgm:fillClrLst meth="repeat">
+      <a:schemeClr val="accent1">
+        <a:tint val="60000"/>
+      </a:schemeClr>
+    </dgm:fillClrLst>
+    <dgm:linClrLst meth="repeat">
+      <a:schemeClr val="accent1">
+        <a:tint val="60000"/>
+      </a:schemeClr>
+    </dgm:linClrLst>
+    <dgm:effectClrLst/>
+    <dgm:txLinClrLst/>
+    <dgm:txFillClrLst meth="repeat">
+      <a:schemeClr val="lt1"/>
+    </dgm:txFillClrLst>
+    <dgm:txEffectClrLst/>
+  </dgm:styleLbl>
+  <dgm:styleLbl name="parChTrans2D2">
+    <dgm:fillClrLst meth="repeat">
+      <a:schemeClr val="accent1"/>
+    </dgm:fillClrLst>
+    <dgm:linClrLst meth="repeat">
+      <a:schemeClr val="accent1"/>
+    </dgm:linClrLst>
+    <dgm:effectClrLst/>
+    <dgm:txLinClrLst/>
+    <dgm:txFillClrLst meth="repeat">
+      <a:schemeClr val="lt1"/>
+    </dgm:txFillClrLst>
+    <dgm:txEffectClrLst/>
+  </dgm:styleLbl>
+  <dgm:styleLbl name="parChTrans2D3">
+    <dgm:fillClrLst meth="repeat">
+      <a:schemeClr val="accent1"/>
+    </dgm:fillClrLst>
+    <dgm:linClrLst meth="repeat">
+      <a:schemeClr val="accent1"/>
+    </dgm:linClrLst>
+    <dgm:effectClrLst/>
+    <dgm:txLinClrLst/>
+    <dgm:txFillClrLst meth="repeat">
+      <a:schemeClr val="lt1"/>
+    </dgm:txFillClrLst>
+    <dgm:txEffectClrLst/>
+  </dgm:styleLbl>
+  <dgm:styleLbl name="parChTrans2D4">
+    <dgm:fillClrLst meth="repeat">
+      <a:schemeClr val="accent1"/>
+    </dgm:fillClrLst>
+    <dgm:linClrLst meth="repeat">
+      <a:schemeClr val="accent1"/>
+    </dgm:linClrLst>
+    <dgm:effectClrLst/>
+    <dgm:txLinClrLst/>
+    <dgm:txFillClrLst meth="repeat">
+      <a:schemeClr val="lt1"/>
+    </dgm:txFillClrLst>
+    <dgm:txEffectClrLst/>
+  </dgm:styleLbl>
+  <dgm:styleLbl name="parChTrans1D1">
+    <dgm:fillClrLst meth="repeat">
+      <a:schemeClr val="accent1"/>
+    </dgm:fillClrLst>
+    <dgm:linClrLst meth="repeat">
+      <a:schemeClr val="accent1">
+        <a:shade val="60000"/>
+      </a:schemeClr>
+    </dgm:linClrLst>
+    <dgm:effectClrLst/>
+    <dgm:txLinClrLst/>
+    <dgm:txFillClrLst meth="repeat">
+      <a:schemeClr val="tx1"/>
+    </dgm:txFillClrLst>
+    <dgm:txEffectClrLst/>
+  </dgm:styleLbl>
+  <dgm:styleLbl name="parChTrans1D2">
+    <dgm:fillClrLst meth="repeat">
+      <a:schemeClr val="accent1"/>
+    </dgm:fillClrLst>
+    <dgm:linClrLst meth="repeat">
+      <a:schemeClr val="accent1">
+        <a:shade val="60000"/>
+      </a:schemeClr>
+    </dgm:linClrLst>
+    <dgm:effectClrLst/>
+    <dgm:txLinClrLst/>
+    <dgm:txFillClrLst meth="repeat">
+      <a:schemeClr val="tx1"/>
+    </dgm:txFillClrLst>
+    <dgm:txEffectClrLst/>
+  </dgm:styleLbl>
+  <dgm:styleLbl name="parChTrans1D3">
+    <dgm:fillClrLst meth="repeat">
+      <a:schemeClr val="accent1"/>
+    </dgm:fillClrLst>
+    <dgm:linClrLst meth="repeat">
+      <a:schemeClr val="accent1">
+        <a:shade val="80000"/>
+      </a:schemeClr>
+    </dgm:linClrLst>
+    <dgm:effectClrLst/>
+    <dgm:txLinClrLst/>
+    <dgm:txFillClrLst meth="repeat">
+      <a:schemeClr val="tx1"/>
+    </dgm:txFillClrLst>
+    <dgm:txEffectClrLst/>
+  </dgm:styleLbl>
+  <dgm:styleLbl name="parChTrans1D4">
+    <dgm:fillClrLst meth="repeat">
+      <a:schemeClr val="accent1"/>
+    </dgm:fillClrLst>
+    <dgm:linClrLst meth="repeat">
+      <a:schemeClr val="accent1">
+        <a:shade val="80000"/>
+      </a:schemeClr>
+    </dgm:linClrLst>
+    <dgm:effectClrLst/>
+    <dgm:txLinClrLst/>
+    <dgm:txFillClrLst meth="repeat">
+      <a:schemeClr val="tx1"/>
+    </dgm:txFillClrLst>
+    <dgm:txEffectClrLst/>
+  </dgm:styleLbl>
+  <dgm:styleLbl name="fgAcc1">
+    <dgm:fillClrLst meth="repeat">
+      <a:schemeClr val="lt1">
+        <a:alpha val="90000"/>
+      </a:schemeClr>
+    </dgm:fillClrLst>
+    <dgm:linClrLst meth="repeat">
+      <a:schemeClr val="accent1"/>
+    </dgm:linClrLst>
+    <dgm:effectClrLst/>
+    <dgm:txLinClrLst/>
+    <dgm:txFillClrLst meth="repeat">
+      <a:schemeClr val="dk1"/>
+    </dgm:txFillClrLst>
+    <dgm:txEffectClrLst/>
+  </dgm:styleLbl>
+  <dgm:styleLbl name="conFgAcc1">
+    <dgm:fillClrLst meth="repeat">
+      <a:schemeClr val="lt1">
+        <a:alpha val="90000"/>
+      </a:schemeClr>
+    </dgm:fillClrLst>
+    <dgm:linClrLst meth="repeat">
+      <a:schemeClr val="accent1"/>
+    </dgm:linClrLst>
+    <dgm:effectClrLst/>
+    <dgm:txLinClrLst/>
+    <dgm:txFillClrLst meth="repeat">
+      <a:schemeClr val="dk1"/>
+    </dgm:txFillClrLst>
+    <dgm:txEffectClrLst/>
+  </dgm:styleLbl>
+  <dgm:styleLbl name="alignAcc1">
+    <dgm:fillClrLst meth="repeat">
+      <a:schemeClr val="lt1">
+        <a:alpha val="90000"/>
+      </a:schemeClr>
+    </dgm:fillClrLst>
+    <dgm:linClrLst meth="repeat">
+      <a:schemeClr val="accent1"/>
+    </dgm:linClrLst>
+    <dgm:effectClrLst/>
+    <dgm:txLinClrLst/>
+    <dgm:txFillClrLst meth="repeat">
+      <a:schemeClr val="dk1"/>
+    </dgm:txFillClrLst>
+    <dgm:txEffectClrLst/>
+  </dgm:styleLbl>
+  <dgm:styleLbl name="trAlignAcc1">
+    <dgm:fillClrLst meth="repeat">
+      <a:schemeClr val="lt1">
+        <a:alpha val="40000"/>
+      </a:schemeClr>
+    </dgm:fillClrLst>
+    <dgm:linClrLst meth="repeat">
+      <a:schemeClr val="accent1"/>
+    </dgm:linClrLst>
+    <dgm:effectClrLst/>
+    <dgm:txLinClrLst/>
+    <dgm:txFillClrLst meth="repeat">
+      <a:schemeClr val="dk1"/>
+    </dgm:txFillClrLst>
+    <dgm:txEffectClrLst/>
+  </dgm:styleLbl>
+  <dgm:styleLbl name="bgAcc1">
+    <dgm:fillClrLst meth="repeat">
+      <a:schemeClr val="lt1">
+        <a:alpha val="90000"/>
+      </a:schemeClr>
+    </dgm:fillClrLst>
+    <dgm:linClrLst meth="repeat">
+      <a:schemeClr val="accent1"/>
+    </dgm:linClrLst>
+    <dgm:effectClrLst/>
+    <dgm:txLinClrLst/>
+    <dgm:txFillClrLst meth="repeat">
+      <a:schemeClr val="dk1"/>
+    </dgm:txFillClrLst>
+    <dgm:txEffectClrLst/>
+  </dgm:styleLbl>
+  <dgm:styleLbl name="solidFgAcc1">
+    <dgm:fillClrLst meth="repeat">
+      <a:schemeClr val="lt1"/>
+    </dgm:fillClrLst>
+    <dgm:linClrLst meth="repeat">
+      <a:schemeClr val="accent1"/>
+    </dgm:linClrLst>
+    <dgm:effectClrLst/>
+    <dgm:txLinClrLst/>
+    <dgm:txFillClrLst meth="repeat">
+      <a:schemeClr val="dk1"/>
+    </dgm:txFillClrLst>
+    <dgm:txEffectClrLst/>
+  </dgm:styleLbl>
+  <dgm:styleLbl name="solidAlignAcc1">
+    <dgm:fillClrLst meth="repeat">
+      <a:schemeClr val="lt1"/>
+    </dgm:fillClrLst>
+    <dgm:linClrLst meth="repeat">
+      <a:schemeClr val="accent1"/>
+    </dgm:linClrLst>
+    <dgm:effectClrLst/>
+    <dgm:txLinClrLst/>
+    <dgm:txFillClrLst meth="repeat">
+      <a:schemeClr val="dk1"/>
+    </dgm:txFillClrLst>
+    <dgm:txEffectClrLst/>
+  </dgm:styleLbl>
+  <dgm:styleLbl name="solidBgAcc1">
+    <dgm:fillClrLst meth="repeat">
+      <a:schemeClr val="lt1"/>
+    </dgm:fillClrLst>
+    <dgm:linClrLst meth="repeat">
+      <a:schemeClr val="accent1"/>
+    </dgm:linClrLst>
+    <dgm:effectClrLst/>
+    <dgm:txLinClrLst/>
+    <dgm:txFillClrLst meth="repeat">
+      <a:schemeClr val="dk1"/>
+    </dgm:txFillClrLst>
+    <dgm:txEffectClrLst/>
+  </dgm:styleLbl>
+  <dgm:styleLbl name="fgAccFollowNode1">
+    <dgm:fillClrLst meth="repeat">
+      <a:schemeClr val="accent1">
+        <a:alpha val="90000"/>
+        <a:tint val="40000"/>
+      </a:schemeClr>
+    </dgm:fillClrLst>
+    <dgm:linClrLst meth="repeat">
+      <a:schemeClr val="accent1">
+        <a:alpha val="90000"/>
+        <a:tint val="40000"/>
+      </a:schemeClr>
+    </dgm:linClrLst>
+    <dgm:effectClrLst/>
+    <dgm:txLinClrLst/>
+    <dgm:txFillClrLst meth="repeat">
+      <a:schemeClr val="dk1"/>
+    </dgm:txFillClrLst>
+    <dgm:txEffectClrLst/>
+  </dgm:styleLbl>
+  <dgm:styleLbl name="alignAccFollowNode1">
+    <dgm:fillClrLst meth="repeat">
+      <a:schemeClr val="accent1">
+        <a:alpha val="90000"/>
+        <a:tint val="40000"/>
+      </a:schemeClr>
+    </dgm:fillClrLst>
+    <dgm:linClrLst meth="repeat">
+      <a:schemeClr val="accent1">
+        <a:alpha val="90000"/>
+        <a:tint val="40000"/>
+      </a:schemeClr>
+    </dgm:linClrLst>
+    <dgm:effectClrLst/>
+    <dgm:txLinClrLst/>
+    <dgm:txFillClrLst meth="repeat">
+      <a:schemeClr val="dk1"/>
+    </dgm:txFillClrLst>
+    <dgm:txEffectClrLst/>
+  </dgm:styleLbl>
+  <dgm:styleLbl name="bgAccFollowNode1">
+    <dgm:fillClrLst meth="repeat">
+      <a:schemeClr val="accent1">
+        <a:alpha val="90000"/>
+        <a:tint val="40000"/>
+      </a:schemeClr>
+    </dgm:fillClrLst>
+    <dgm:linClrLst meth="repeat">
+      <a:schemeClr val="accent1">
+        <a:alpha val="90000"/>
+        <a:tint val="40000"/>
+      </a:schemeClr>
+    </dgm:linClrLst>
+    <dgm:effectClrLst/>
+    <dgm:txLinClrLst/>
+    <dgm:txFillClrLst meth="repeat">
+      <a:schemeClr val="dk1"/>
+    </dgm:txFillClrLst>
+    <dgm:txEffectClrLst/>
+  </dgm:styleLbl>
+  <dgm:styleLbl name="fgAcc0">
+    <dgm:fillClrLst meth="repeat">
+      <a:schemeClr val="lt1">
+        <a:alpha val="90000"/>
+      </a:schemeClr>
+    </dgm:fillClrLst>
+    <dgm:linClrLst meth="repeat">
+      <a:schemeClr val="accent1"/>
+    </dgm:linClrLst>
+    <dgm:effectClrLst/>
+    <dgm:txLinClrLst/>
+    <dgm:txFillClrLst meth="repeat">
+      <a:schemeClr val="dk1"/>
+    </dgm:txFillClrLst>
+    <dgm:txEffectClrLst/>
+  </dgm:styleLbl>
+  <dgm:styleLbl name="fgAcc2">
+    <dgm:fillClrLst meth="repeat">
+      <a:schemeClr val="lt1">
+        <a:alpha val="90000"/>
+      </a:schemeClr>
+    </dgm:fillClrLst>
+    <dgm:linClrLst meth="repeat">
+      <a:schemeClr val="accent1"/>
+    </dgm:linClrLst>
+    <dgm:effectClrLst/>
+    <dgm:txLinClrLst/>
+    <dgm:txFillClrLst meth="repeat">
+      <a:schemeClr val="dk1"/>
+    </dgm:txFillClrLst>
+    <dgm:txEffectClrLst/>
+  </dgm:styleLbl>
+  <dgm:styleLbl name="fgAcc3">
+    <dgm:fillClrLst meth="repeat">
+      <a:schemeClr val="lt1">
+        <a:alpha val="90000"/>
+      </a:schemeClr>
+    </dgm:fillClrLst>
+    <dgm:linClrLst meth="repeat">
+      <a:schemeClr val="accent1"/>
+    </dgm:linClrLst>
+    <dgm:effectClrLst/>
+    <dgm:txLinClrLst/>
+    <dgm:txFillClrLst meth="repeat">
+      <a:schemeClr val="dk1"/>
+    </dgm:txFillClrLst>
+    <dgm:txEffectClrLst/>
+  </dgm:styleLbl>
+  <dgm:styleLbl name="fgAcc4">
+    <dgm:fillClrLst meth="repeat">
+      <a:schemeClr val="lt1">
+        <a:alpha val="90000"/>
+      </a:schemeClr>
+    </dgm:fillClrLst>
+    <dgm:linClrLst meth="repeat">
+      <a:schemeClr val="accent1"/>
+    </dgm:linClrLst>
+    <dgm:effectClrLst/>
+    <dgm:txLinClrLst/>
+    <dgm:txFillClrLst meth="repeat">
+      <a:schemeClr val="dk1"/>
+    </dgm:txFillClrLst>
+    <dgm:txEffectClrLst/>
+  </dgm:styleLbl>
+  <dgm:styleLbl name="bgShp">
+    <dgm:fillClrLst meth="repeat">
+      <a:schemeClr val="accent1">
+        <a:tint val="40000"/>
+      </a:schemeClr>
+    </dgm:fillClrLst>
+    <dgm:linClrLst meth="repeat">
+      <a:schemeClr val="accent1"/>
+    </dgm:linClrLst>
+    <dgm:effectClrLst/>
+    <dgm:txLinClrLst/>
+    <dgm:txFillClrLst meth="repeat">
+      <a:schemeClr val="dk1"/>
+    </dgm:txFillClrLst>
+    <dgm:txEffectClrLst/>
+  </dgm:styleLbl>
+  <dgm:styleLbl name="dkBgShp">
+    <dgm:fillClrLst meth="repeat">
+      <a:schemeClr val="accent1">
+        <a:shade val="80000"/>
+      </a:schemeClr>
+    </dgm:fillClrLst>
+    <dgm:linClrLst meth="repeat">
+      <a:schemeClr val="accent1"/>
+    </dgm:linClrLst>
+    <dgm:effectClrLst/>
+    <dgm:txLinClrLst/>
+    <dgm:txFillClrLst meth="repeat">
+      <a:schemeClr val="lt1"/>
+    </dgm:txFillClrLst>
+    <dgm:txEffectClrLst/>
+  </dgm:styleLbl>
+  <dgm:styleLbl name="trBgShp">
+    <dgm:fillClrLst meth="repeat">
+      <a:schemeClr val="accent1">
+        <a:tint val="50000"/>
+        <a:alpha val="40000"/>
+      </a:schemeClr>
+    </dgm:fillClrLst>
+    <dgm:linClrLst meth="repeat">
+      <a:schemeClr val="accent1"/>
+    </dgm:linClrLst>
+    <dgm:effectClrLst/>
+    <dgm:txLinClrLst/>
+    <dgm:txFillClrLst meth="repeat">
+      <a:schemeClr val="lt1"/>
+    </dgm:txFillClrLst>
+    <dgm:txEffectClrLst/>
+  </dgm:styleLbl>
+  <dgm:styleLbl name="fgShp">
+    <dgm:fillClrLst meth="repeat">
+      <a:schemeClr val="accent1">
+        <a:tint val="60000"/>
+      </a:schemeClr>
+    </dgm:fillClrLst>
+    <dgm:linClrLst meth="repeat">
+      <a:schemeClr val="lt1"/>
+    </dgm:linClrLst>
+    <dgm:effectClrLst/>
+    <dgm:txLinClrLst/>
+    <dgm:txFillClrLst meth="repeat">
+      <a:schemeClr val="dk1"/>
+    </dgm:txFillClrLst>
+    <dgm:txEffectClrLst/>
+  </dgm:styleLbl>
+  <dgm:styleLbl name="revTx">
+    <dgm:fillClrLst meth="repeat">
+      <a:schemeClr val="lt1">
+        <a:alpha val="0"/>
+      </a:schemeClr>
+    </dgm:fillClrLst>
+    <dgm:linClrLst meth="repeat">
+      <a:schemeClr val="dk1">
+        <a:alpha val="0"/>
+      </a:schemeClr>
+    </dgm:linClrLst>
+    <dgm:effectClrLst/>
+    <dgm:txLinClrLst/>
+    <dgm:txFillClrLst meth="repeat">
+      <a:schemeClr val="tx1"/>
+    </dgm:txFillClrLst>
+    <dgm:txEffectClrLst/>
+  </dgm:styleLbl>
+</dgm:colorsDef>
+</file>
+
+<file path=ppt/diagrams/colors2.xml><?xml version="1.0" encoding="utf-8"?>
 <dgm:colorsDef xmlns:dgm="http://schemas.openxmlformats.org/drawingml/2006/diagram" xmlns:a="http://schemas.openxmlformats.org/drawingml/2006/main" uniqueId="urn:microsoft.com/office/officeart/2005/8/colors/accent0_3">
   <dgm:title val=""/>
   <dgm:desc val=""/>
@@ -918,6 +1665,148 @@
 </file>
 
 <file path=ppt/diagrams/data1.xml><?xml version="1.0" encoding="utf-8"?>
+<dgm:dataModel xmlns:dgm="http://schemas.openxmlformats.org/drawingml/2006/diagram" xmlns:a="http://schemas.openxmlformats.org/drawingml/2006/main">
+  <dgm:ptLst>
+    <dgm:pt modelId="{3B6C10EB-8B0F-4165-A932-B4395DA8811E}" type="doc">
+      <dgm:prSet loTypeId="urn:microsoft.com/office/officeart/2005/8/layout/vList2" loCatId="list" qsTypeId="urn:microsoft.com/office/officeart/2005/8/quickstyle/simple1" qsCatId="simple" csTypeId="urn:microsoft.com/office/officeart/2005/8/colors/accent1_2" csCatId="accent1"/>
+      <dgm:spPr/>
+      <dgm:t>
+        <a:bodyPr/>
+        <a:lstStyle/>
+        <a:p>
+          <a:endParaRPr lang="en-US"/>
+        </a:p>
+      </dgm:t>
+    </dgm:pt>
+    <dgm:pt modelId="{A690FABC-3AF7-4504-9BBA-A0DF71905BC4}">
+      <dgm:prSet/>
+      <dgm:spPr/>
+      <dgm:t>
+        <a:bodyPr/>
+        <a:lstStyle/>
+        <a:p>
+          <a:pPr rtl="0"/>
+          <a:r>
+            <a:rPr lang="en-US" smtClean="0"/>
+            <a:t>Zotero là gì?</a:t>
+          </a:r>
+          <a:endParaRPr lang="en-US"/>
+        </a:p>
+      </dgm:t>
+    </dgm:pt>
+    <dgm:pt modelId="{4732A3AC-375D-48E2-B6F0-8C61AA938657}" type="parTrans" cxnId="{80673EF5-A1A4-4103-A91B-935E0027AE24}">
+      <dgm:prSet/>
+      <dgm:spPr/>
+      <dgm:t>
+        <a:bodyPr/>
+        <a:lstStyle/>
+        <a:p>
+          <a:endParaRPr lang="en-US"/>
+        </a:p>
+      </dgm:t>
+    </dgm:pt>
+    <dgm:pt modelId="{566D8553-C88B-41C6-BB25-398F5F92C302}" type="sibTrans" cxnId="{80673EF5-A1A4-4103-A91B-935E0027AE24}">
+      <dgm:prSet/>
+      <dgm:spPr/>
+      <dgm:t>
+        <a:bodyPr/>
+        <a:lstStyle/>
+        <a:p>
+          <a:endParaRPr lang="en-US"/>
+        </a:p>
+      </dgm:t>
+    </dgm:pt>
+    <dgm:pt modelId="{86C5314A-C1A8-4696-BAFA-8418B4C9A826}">
+      <dgm:prSet/>
+      <dgm:spPr/>
+      <dgm:t>
+        <a:bodyPr/>
+        <a:lstStyle/>
+        <a:p>
+          <a:pPr rtl="0"/>
+          <a:r>
+            <a:rPr lang="en-US" smtClean="0"/>
+            <a:t>Tính năng nổi bật. </a:t>
+          </a:r>
+          <a:endParaRPr lang="en-US"/>
+        </a:p>
+      </dgm:t>
+    </dgm:pt>
+    <dgm:pt modelId="{B57730E4-C822-47D2-B42B-B6BD10BBC587}" type="parTrans" cxnId="{5CEB06B1-86ED-43CD-BC74-FFF0F108CE0A}">
+      <dgm:prSet/>
+      <dgm:spPr/>
+      <dgm:t>
+        <a:bodyPr/>
+        <a:lstStyle/>
+        <a:p>
+          <a:endParaRPr lang="en-US"/>
+        </a:p>
+      </dgm:t>
+    </dgm:pt>
+    <dgm:pt modelId="{1EC6A58D-B1C1-4721-8DDF-B8893EABC35B}" type="sibTrans" cxnId="{5CEB06B1-86ED-43CD-BC74-FFF0F108CE0A}">
+      <dgm:prSet/>
+      <dgm:spPr/>
+      <dgm:t>
+        <a:bodyPr/>
+        <a:lstStyle/>
+        <a:p>
+          <a:endParaRPr lang="en-US"/>
+        </a:p>
+      </dgm:t>
+    </dgm:pt>
+    <dgm:pt modelId="{3158ACCD-C274-4FA8-B62E-1480FA6CEF85}" type="pres">
+      <dgm:prSet presAssocID="{3B6C10EB-8B0F-4165-A932-B4395DA8811E}" presName="linear" presStyleCnt="0">
+        <dgm:presLayoutVars>
+          <dgm:animLvl val="lvl"/>
+          <dgm:resizeHandles val="exact"/>
+        </dgm:presLayoutVars>
+      </dgm:prSet>
+      <dgm:spPr/>
+    </dgm:pt>
+    <dgm:pt modelId="{F9ED0131-E632-4653-999B-ACDC3BA33892}" type="pres">
+      <dgm:prSet presAssocID="{A690FABC-3AF7-4504-9BBA-A0DF71905BC4}" presName="parentText" presStyleLbl="node1" presStyleIdx="0" presStyleCnt="2">
+        <dgm:presLayoutVars>
+          <dgm:chMax val="0"/>
+          <dgm:bulletEnabled val="1"/>
+        </dgm:presLayoutVars>
+      </dgm:prSet>
+      <dgm:spPr/>
+    </dgm:pt>
+    <dgm:pt modelId="{90931B5C-772D-4647-BC6D-0E3C995FF44C}" type="pres">
+      <dgm:prSet presAssocID="{566D8553-C88B-41C6-BB25-398F5F92C302}" presName="spacer" presStyleCnt="0"/>
+      <dgm:spPr/>
+    </dgm:pt>
+    <dgm:pt modelId="{01C565ED-4DAB-4C60-91E4-80583D9ECB95}" type="pres">
+      <dgm:prSet presAssocID="{86C5314A-C1A8-4696-BAFA-8418B4C9A826}" presName="parentText" presStyleLbl="node1" presStyleIdx="1" presStyleCnt="2">
+        <dgm:presLayoutVars>
+          <dgm:chMax val="0"/>
+          <dgm:bulletEnabled val="1"/>
+        </dgm:presLayoutVars>
+      </dgm:prSet>
+      <dgm:spPr/>
+    </dgm:pt>
+  </dgm:ptLst>
+  <dgm:cxnLst>
+    <dgm:cxn modelId="{5CEB06B1-86ED-43CD-BC74-FFF0F108CE0A}" srcId="{3B6C10EB-8B0F-4165-A932-B4395DA8811E}" destId="{86C5314A-C1A8-4696-BAFA-8418B4C9A826}" srcOrd="1" destOrd="0" parTransId="{B57730E4-C822-47D2-B42B-B6BD10BBC587}" sibTransId="{1EC6A58D-B1C1-4721-8DDF-B8893EABC35B}"/>
+    <dgm:cxn modelId="{80673EF5-A1A4-4103-A91B-935E0027AE24}" srcId="{3B6C10EB-8B0F-4165-A932-B4395DA8811E}" destId="{A690FABC-3AF7-4504-9BBA-A0DF71905BC4}" srcOrd="0" destOrd="0" parTransId="{4732A3AC-375D-48E2-B6F0-8C61AA938657}" sibTransId="{566D8553-C88B-41C6-BB25-398F5F92C302}"/>
+    <dgm:cxn modelId="{41A8FC6B-85F6-4237-BCDC-C63FF6798636}" type="presOf" srcId="{A690FABC-3AF7-4504-9BBA-A0DF71905BC4}" destId="{F9ED0131-E632-4653-999B-ACDC3BA33892}" srcOrd="0" destOrd="0" presId="urn:microsoft.com/office/officeart/2005/8/layout/vList2"/>
+    <dgm:cxn modelId="{1F8EFFDF-E986-4B87-8F47-AB67C6569AE6}" type="presOf" srcId="{86C5314A-C1A8-4696-BAFA-8418B4C9A826}" destId="{01C565ED-4DAB-4C60-91E4-80583D9ECB95}" srcOrd="0" destOrd="0" presId="urn:microsoft.com/office/officeart/2005/8/layout/vList2"/>
+    <dgm:cxn modelId="{BD7C13D5-F19A-4B20-9A35-590796160626}" type="presOf" srcId="{3B6C10EB-8B0F-4165-A932-B4395DA8811E}" destId="{3158ACCD-C274-4FA8-B62E-1480FA6CEF85}" srcOrd="0" destOrd="0" presId="urn:microsoft.com/office/officeart/2005/8/layout/vList2"/>
+    <dgm:cxn modelId="{07453F78-4F65-4023-88C4-FD391B4DC32F}" type="presParOf" srcId="{3158ACCD-C274-4FA8-B62E-1480FA6CEF85}" destId="{F9ED0131-E632-4653-999B-ACDC3BA33892}" srcOrd="0" destOrd="0" presId="urn:microsoft.com/office/officeart/2005/8/layout/vList2"/>
+    <dgm:cxn modelId="{35A5D731-76F6-4528-83DF-9D0B88F187D6}" type="presParOf" srcId="{3158ACCD-C274-4FA8-B62E-1480FA6CEF85}" destId="{90931B5C-772D-4647-BC6D-0E3C995FF44C}" srcOrd="1" destOrd="0" presId="urn:microsoft.com/office/officeart/2005/8/layout/vList2"/>
+    <dgm:cxn modelId="{72EB131D-5F4D-4897-9D64-7AAAFFA24A65}" type="presParOf" srcId="{3158ACCD-C274-4FA8-B62E-1480FA6CEF85}" destId="{01C565ED-4DAB-4C60-91E4-80583D9ECB95}" srcOrd="2" destOrd="0" presId="urn:microsoft.com/office/officeart/2005/8/layout/vList2"/>
+  </dgm:cxnLst>
+  <dgm:bg/>
+  <dgm:whole/>
+  <dgm:extLst>
+    <a:ext uri="http://schemas.microsoft.com/office/drawing/2008/diagram">
+      <dsp:dataModelExt xmlns:dsp="http://schemas.microsoft.com/office/drawing/2008/diagram" relId="rId6" minVer="http://schemas.openxmlformats.org/drawingml/2006/diagram"/>
+    </a:ext>
+  </dgm:extLst>
+</dgm:dataModel>
+</file>
+
+<file path=ppt/diagrams/data2.xml><?xml version="1.0" encoding="utf-8"?>
 <dgm:dataModel xmlns:dgm="http://schemas.openxmlformats.org/drawingml/2006/diagram" xmlns:a="http://schemas.openxmlformats.org/drawingml/2006/main">
   <dgm:ptLst>
     <dgm:pt modelId="{0E9DE493-19D7-4EC9-97C9-5F26233F1106}" type="doc">
@@ -1437,6 +2326,174 @@
       <dsp:cNvGrpSpPr/>
     </dsp:nvGrpSpPr>
     <dsp:grpSpPr/>
+    <dsp:sp modelId="{F9ED0131-E632-4653-999B-ACDC3BA33892}">
+      <dsp:nvSpPr>
+        <dsp:cNvPr id="0" name=""/>
+        <dsp:cNvSpPr/>
+      </dsp:nvSpPr>
+      <dsp:spPr>
+        <a:xfrm>
+          <a:off x="0" y="24225"/>
+          <a:ext cx="6772191" cy="1127295"/>
+        </a:xfrm>
+        <a:prstGeom prst="roundRect">
+          <a:avLst/>
+        </a:prstGeom>
+        <a:solidFill>
+          <a:schemeClr val="accent1">
+            <a:hueOff val="0"/>
+            <a:satOff val="0"/>
+            <a:lumOff val="0"/>
+            <a:alphaOff val="0"/>
+          </a:schemeClr>
+        </a:solidFill>
+        <a:ln w="12700" cap="flat" cmpd="sng" algn="ctr">
+          <a:solidFill>
+            <a:schemeClr val="lt1">
+              <a:hueOff val="0"/>
+              <a:satOff val="0"/>
+              <a:lumOff val="0"/>
+              <a:alphaOff val="0"/>
+            </a:schemeClr>
+          </a:solidFill>
+          <a:prstDash val="solid"/>
+          <a:miter lim="800000"/>
+        </a:ln>
+        <a:effectLst/>
+      </dsp:spPr>
+      <dsp:style>
+        <a:lnRef idx="2">
+          <a:scrgbClr r="0" g="0" b="0"/>
+        </a:lnRef>
+        <a:fillRef idx="1">
+          <a:scrgbClr r="0" g="0" b="0"/>
+        </a:fillRef>
+        <a:effectRef idx="0">
+          <a:scrgbClr r="0" g="0" b="0"/>
+        </a:effectRef>
+        <a:fontRef idx="minor">
+          <a:schemeClr val="lt1"/>
+        </a:fontRef>
+      </dsp:style>
+      <dsp:txBody>
+        <a:bodyPr spcFirstLastPara="0" vert="horz" wrap="square" lIns="179070" tIns="179070" rIns="179070" bIns="179070" numCol="1" spcCol="1270" anchor="ctr" anchorCtr="0">
+          <a:noAutofit/>
+        </a:bodyPr>
+        <a:lstStyle/>
+        <a:p>
+          <a:pPr lvl="0" algn="l" defTabSz="2089150" rtl="0">
+            <a:lnSpc>
+              <a:spcPct val="90000"/>
+            </a:lnSpc>
+            <a:spcBef>
+              <a:spcPct val="0"/>
+            </a:spcBef>
+            <a:spcAft>
+              <a:spcPct val="35000"/>
+            </a:spcAft>
+          </a:pPr>
+          <a:r>
+            <a:rPr lang="en-US" sz="4700" kern="1200" smtClean="0"/>
+            <a:t>Zotero là gì?</a:t>
+          </a:r>
+          <a:endParaRPr lang="en-US" sz="4700" kern="1200"/>
+        </a:p>
+      </dsp:txBody>
+      <dsp:txXfrm>
+        <a:off x="55030" y="79255"/>
+        <a:ext cx="6662131" cy="1017235"/>
+      </dsp:txXfrm>
+    </dsp:sp>
+    <dsp:sp modelId="{01C565ED-4DAB-4C60-91E4-80583D9ECB95}">
+      <dsp:nvSpPr>
+        <dsp:cNvPr id="0" name=""/>
+        <dsp:cNvSpPr/>
+      </dsp:nvSpPr>
+      <dsp:spPr>
+        <a:xfrm>
+          <a:off x="0" y="1286880"/>
+          <a:ext cx="6772191" cy="1127295"/>
+        </a:xfrm>
+        <a:prstGeom prst="roundRect">
+          <a:avLst/>
+        </a:prstGeom>
+        <a:solidFill>
+          <a:schemeClr val="accent1">
+            <a:hueOff val="0"/>
+            <a:satOff val="0"/>
+            <a:lumOff val="0"/>
+            <a:alphaOff val="0"/>
+          </a:schemeClr>
+        </a:solidFill>
+        <a:ln w="12700" cap="flat" cmpd="sng" algn="ctr">
+          <a:solidFill>
+            <a:schemeClr val="lt1">
+              <a:hueOff val="0"/>
+              <a:satOff val="0"/>
+              <a:lumOff val="0"/>
+              <a:alphaOff val="0"/>
+            </a:schemeClr>
+          </a:solidFill>
+          <a:prstDash val="solid"/>
+          <a:miter lim="800000"/>
+        </a:ln>
+        <a:effectLst/>
+      </dsp:spPr>
+      <dsp:style>
+        <a:lnRef idx="2">
+          <a:scrgbClr r="0" g="0" b="0"/>
+        </a:lnRef>
+        <a:fillRef idx="1">
+          <a:scrgbClr r="0" g="0" b="0"/>
+        </a:fillRef>
+        <a:effectRef idx="0">
+          <a:scrgbClr r="0" g="0" b="0"/>
+        </a:effectRef>
+        <a:fontRef idx="minor">
+          <a:schemeClr val="lt1"/>
+        </a:fontRef>
+      </dsp:style>
+      <dsp:txBody>
+        <a:bodyPr spcFirstLastPara="0" vert="horz" wrap="square" lIns="179070" tIns="179070" rIns="179070" bIns="179070" numCol="1" spcCol="1270" anchor="ctr" anchorCtr="0">
+          <a:noAutofit/>
+        </a:bodyPr>
+        <a:lstStyle/>
+        <a:p>
+          <a:pPr lvl="0" algn="l" defTabSz="2089150" rtl="0">
+            <a:lnSpc>
+              <a:spcPct val="90000"/>
+            </a:lnSpc>
+            <a:spcBef>
+              <a:spcPct val="0"/>
+            </a:spcBef>
+            <a:spcAft>
+              <a:spcPct val="35000"/>
+            </a:spcAft>
+          </a:pPr>
+          <a:r>
+            <a:rPr lang="en-US" sz="4700" kern="1200" smtClean="0"/>
+            <a:t>Tính năng nổi bật. </a:t>
+          </a:r>
+          <a:endParaRPr lang="en-US" sz="4700" kern="1200"/>
+        </a:p>
+      </dsp:txBody>
+      <dsp:txXfrm>
+        <a:off x="55030" y="1341910"/>
+        <a:ext cx="6662131" cy="1017235"/>
+      </dsp:txXfrm>
+    </dsp:sp>
+  </dsp:spTree>
+</dsp:drawing>
+</file>
+
+<file path=ppt/diagrams/drawing2.xml><?xml version="1.0" encoding="utf-8"?>
+<dsp:drawing xmlns:dgm="http://schemas.openxmlformats.org/drawingml/2006/diagram" xmlns:dsp="http://schemas.microsoft.com/office/drawing/2008/diagram" xmlns:a="http://schemas.openxmlformats.org/drawingml/2006/main">
+  <dsp:spTree>
+    <dsp:nvGrpSpPr>
+      <dsp:cNvPr id="0" name=""/>
+      <dsp:cNvGrpSpPr/>
+    </dsp:nvGrpSpPr>
+    <dsp:grpSpPr/>
     <dsp:sp modelId="{96015622-8A46-45CF-A72A-2856B699B374}">
       <dsp:nvSpPr>
         <dsp:cNvPr id="0" name=""/>
@@ -1949,6 +3006,173 @@
 </file>
 
 <file path=ppt/diagrams/layout1.xml><?xml version="1.0" encoding="utf-8"?>
+<dgm:layoutDef xmlns:dgm="http://schemas.openxmlformats.org/drawingml/2006/diagram" xmlns:a="http://schemas.openxmlformats.org/drawingml/2006/main" uniqueId="urn:microsoft.com/office/officeart/2005/8/layout/vList2">
+  <dgm:title val=""/>
+  <dgm:desc val=""/>
+  <dgm:catLst>
+    <dgm:cat type="list" pri="3000"/>
+    <dgm:cat type="convert" pri="1000"/>
+  </dgm:catLst>
+  <dgm:sampData>
+    <dgm:dataModel>
+      <dgm:ptLst>
+        <dgm:pt modelId="0" type="doc"/>
+        <dgm:pt modelId="1">
+          <dgm:prSet phldr="1"/>
+        </dgm:pt>
+        <dgm:pt modelId="11">
+          <dgm:prSet phldr="1"/>
+        </dgm:pt>
+        <dgm:pt modelId="2">
+          <dgm:prSet phldr="1"/>
+        </dgm:pt>
+        <dgm:pt modelId="21">
+          <dgm:prSet phldr="1"/>
+        </dgm:pt>
+      </dgm:ptLst>
+      <dgm:cxnLst>
+        <dgm:cxn modelId="4" srcId="0" destId="1" srcOrd="0" destOrd="0"/>
+        <dgm:cxn modelId="5" srcId="0" destId="2" srcOrd="1" destOrd="0"/>
+        <dgm:cxn modelId="12" srcId="1" destId="11" srcOrd="0" destOrd="0"/>
+        <dgm:cxn modelId="23" srcId="2" destId="21" srcOrd="0" destOrd="0"/>
+      </dgm:cxnLst>
+      <dgm:bg/>
+      <dgm:whole/>
+    </dgm:dataModel>
+  </dgm:sampData>
+  <dgm:styleData>
+    <dgm:dataModel>
+      <dgm:ptLst>
+        <dgm:pt modelId="0" type="doc"/>
+        <dgm:pt modelId="1"/>
+        <dgm:pt modelId="2"/>
+      </dgm:ptLst>
+      <dgm:cxnLst>
+        <dgm:cxn modelId="3" srcId="0" destId="1" srcOrd="0" destOrd="0"/>
+        <dgm:cxn modelId="4" srcId="0" destId="2" srcOrd="1" destOrd="0"/>
+      </dgm:cxnLst>
+      <dgm:bg/>
+      <dgm:whole/>
+    </dgm:dataModel>
+  </dgm:styleData>
+  <dgm:clrData>
+    <dgm:dataModel>
+      <dgm:ptLst>
+        <dgm:pt modelId="0" type="doc"/>
+        <dgm:pt modelId="1"/>
+        <dgm:pt modelId="2"/>
+        <dgm:pt modelId="3"/>
+        <dgm:pt modelId="4"/>
+      </dgm:ptLst>
+      <dgm:cxnLst>
+        <dgm:cxn modelId="5" srcId="0" destId="1" srcOrd="0" destOrd="0"/>
+        <dgm:cxn modelId="6" srcId="0" destId="2" srcOrd="1" destOrd="0"/>
+        <dgm:cxn modelId="7" srcId="0" destId="3" srcOrd="2" destOrd="0"/>
+        <dgm:cxn modelId="8" srcId="0" destId="4" srcOrd="3" destOrd="0"/>
+      </dgm:cxnLst>
+      <dgm:bg/>
+      <dgm:whole/>
+    </dgm:dataModel>
+  </dgm:clrData>
+  <dgm:layoutNode name="linear">
+    <dgm:varLst>
+      <dgm:animLvl val="lvl"/>
+      <dgm:resizeHandles val="exact"/>
+    </dgm:varLst>
+    <dgm:alg type="lin">
+      <dgm:param type="linDir" val="fromT"/>
+      <dgm:param type="vertAlign" val="mid"/>
+    </dgm:alg>
+    <dgm:shape xmlns:r="http://schemas.openxmlformats.org/officeDocument/2006/relationships" r:blip="">
+      <dgm:adjLst/>
+    </dgm:shape>
+    <dgm:presOf/>
+    <dgm:constrLst>
+      <dgm:constr type="w" for="ch" forName="parentText" refType="w"/>
+      <dgm:constr type="h" for="ch" forName="parentText" refType="primFontSz" refFor="ch" refForName="parentText" fact="0.52"/>
+      <dgm:constr type="w" for="ch" forName="childText" refType="w"/>
+      <dgm:constr type="h" for="ch" forName="childText" refType="primFontSz" refFor="ch" refForName="parentText" fact="0.46"/>
+      <dgm:constr type="h" for="ch" forName="parentText" op="equ"/>
+      <dgm:constr type="primFontSz" for="ch" forName="parentText" op="equ" val="65"/>
+      <dgm:constr type="primFontSz" for="ch" forName="childText" refType="primFontSz" refFor="ch" refForName="parentText" op="equ"/>
+      <dgm:constr type="h" for="ch" forName="spacer" refType="primFontSz" refFor="ch" refForName="parentText" fact="0.08"/>
+    </dgm:constrLst>
+    <dgm:ruleLst>
+      <dgm:rule type="primFontSz" for="ch" forName="parentText" val="5" fact="NaN" max="NaN"/>
+    </dgm:ruleLst>
+    <dgm:forEach name="Name0" axis="ch" ptType="node">
+      <dgm:layoutNode name="parentText" styleLbl="node1">
+        <dgm:varLst>
+          <dgm:chMax val="0"/>
+          <dgm:bulletEnabled val="1"/>
+        </dgm:varLst>
+        <dgm:alg type="tx">
+          <dgm:param type="parTxLTRAlign" val="l"/>
+          <dgm:param type="parTxRTLAlign" val="r"/>
+        </dgm:alg>
+        <dgm:shape xmlns:r="http://schemas.openxmlformats.org/officeDocument/2006/relationships" type="roundRect" r:blip="">
+          <dgm:adjLst/>
+        </dgm:shape>
+        <dgm:presOf axis="self"/>
+        <dgm:constrLst>
+          <dgm:constr type="tMarg" refType="primFontSz" fact="0.3"/>
+          <dgm:constr type="bMarg" refType="primFontSz" fact="0.3"/>
+          <dgm:constr type="lMarg" refType="primFontSz" fact="0.3"/>
+          <dgm:constr type="rMarg" refType="primFontSz" fact="0.3"/>
+        </dgm:constrLst>
+        <dgm:ruleLst>
+          <dgm:rule type="h" val="INF" fact="NaN" max="NaN"/>
+        </dgm:ruleLst>
+      </dgm:layoutNode>
+      <dgm:choose name="Name1">
+        <dgm:if name="Name2" axis="ch" ptType="node" func="cnt" op="gte" val="1">
+          <dgm:layoutNode name="childText" styleLbl="revTx">
+            <dgm:varLst>
+              <dgm:bulletEnabled val="1"/>
+            </dgm:varLst>
+            <dgm:alg type="tx">
+              <dgm:param type="stBulletLvl" val="1"/>
+              <dgm:param type="lnSpAfChP" val="20"/>
+            </dgm:alg>
+            <dgm:shape xmlns:r="http://schemas.openxmlformats.org/officeDocument/2006/relationships" type="rect" r:blip="">
+              <dgm:adjLst/>
+            </dgm:shape>
+            <dgm:presOf axis="des" ptType="node"/>
+            <dgm:constrLst>
+              <dgm:constr type="tMarg" refType="primFontSz" fact="0.1"/>
+              <dgm:constr type="bMarg" refType="primFontSz" fact="0.1"/>
+              <dgm:constr type="lMarg" refType="w" fact="0.09"/>
+            </dgm:constrLst>
+            <dgm:ruleLst>
+              <dgm:rule type="h" val="INF" fact="NaN" max="NaN"/>
+            </dgm:ruleLst>
+          </dgm:layoutNode>
+        </dgm:if>
+        <dgm:else name="Name3">
+          <dgm:choose name="Name4">
+            <dgm:if name="Name5" axis="par ch" ptType="doc node" func="cnt" op="gte" val="2">
+              <dgm:forEach name="Name6" axis="followSib" ptType="sibTrans" cnt="1">
+                <dgm:layoutNode name="spacer">
+                  <dgm:alg type="sp"/>
+                  <dgm:shape xmlns:r="http://schemas.openxmlformats.org/officeDocument/2006/relationships" r:blip="">
+                    <dgm:adjLst/>
+                  </dgm:shape>
+                  <dgm:presOf/>
+                  <dgm:constrLst/>
+                  <dgm:ruleLst/>
+                </dgm:layoutNode>
+              </dgm:forEach>
+            </dgm:if>
+            <dgm:else name="Name7"/>
+          </dgm:choose>
+        </dgm:else>
+      </dgm:choose>
+    </dgm:forEach>
+  </dgm:layoutNode>
+</dgm:layoutDef>
+</file>
+
+<file path=ppt/diagrams/layout2.xml><?xml version="1.0" encoding="utf-8"?>
 <dgm:layoutDef xmlns:dgm="http://schemas.openxmlformats.org/drawingml/2006/diagram" xmlns:a="http://schemas.openxmlformats.org/drawingml/2006/main" uniqueId="urn:microsoft.com/office/officeart/2005/8/layout/hProcess4">
   <dgm:title val=""/>
   <dgm:desc val=""/>
@@ -2493,6 +3717,1040 @@
 </file>
 
 <file path=ppt/diagrams/quickStyle1.xml><?xml version="1.0" encoding="utf-8"?>
+<dgm:styleDef xmlns:dgm="http://schemas.openxmlformats.org/drawingml/2006/diagram" xmlns:a="http://schemas.openxmlformats.org/drawingml/2006/main" uniqueId="urn:microsoft.com/office/officeart/2005/8/quickstyle/simple1">
+  <dgm:title val=""/>
+  <dgm:desc val=""/>
+  <dgm:catLst>
+    <dgm:cat type="simple" pri="10100"/>
+  </dgm:catLst>
+  <dgm:scene3d>
+    <a:camera prst="orthographicFront"/>
+    <a:lightRig rig="threePt" dir="t"/>
+  </dgm:scene3d>
+  <dgm:styleLbl name="node0">
+    <dgm:scene3d>
+      <a:camera prst="orthographicFront"/>
+      <a:lightRig rig="threePt" dir="t"/>
+    </dgm:scene3d>
+    <dgm:sp3d/>
+    <dgm:txPr/>
+    <dgm:style>
+      <a:lnRef idx="2">
+        <a:scrgbClr r="0" g="0" b="0"/>
+      </a:lnRef>
+      <a:fillRef idx="1">
+        <a:scrgbClr r="0" g="0" b="0"/>
+      </a:fillRef>
+      <a:effectRef idx="0">
+        <a:scrgbClr r="0" g="0" b="0"/>
+      </a:effectRef>
+      <a:fontRef idx="minor">
+        <a:schemeClr val="lt1"/>
+      </a:fontRef>
+    </dgm:style>
+  </dgm:styleLbl>
+  <dgm:styleLbl name="lnNode1">
+    <dgm:scene3d>
+      <a:camera prst="orthographicFront"/>
+      <a:lightRig rig="threePt" dir="t"/>
+    </dgm:scene3d>
+    <dgm:sp3d/>
+    <dgm:txPr/>
+    <dgm:style>
+      <a:lnRef idx="2">
+        <a:scrgbClr r="0" g="0" b="0"/>
+      </a:lnRef>
+      <a:fillRef idx="1">
+        <a:scrgbClr r="0" g="0" b="0"/>
+      </a:fillRef>
+      <a:effectRef idx="0">
+        <a:scrgbClr r="0" g="0" b="0"/>
+      </a:effectRef>
+      <a:fontRef idx="minor">
+        <a:schemeClr val="lt1"/>
+      </a:fontRef>
+    </dgm:style>
+  </dgm:styleLbl>
+  <dgm:styleLbl name="vennNode1">
+    <dgm:scene3d>
+      <a:camera prst="orthographicFront"/>
+      <a:lightRig rig="threePt" dir="t"/>
+    </dgm:scene3d>
+    <dgm:sp3d/>
+    <dgm:txPr/>
+    <dgm:style>
+      <a:lnRef idx="2">
+        <a:scrgbClr r="0" g="0" b="0"/>
+      </a:lnRef>
+      <a:fillRef idx="1">
+        <a:scrgbClr r="0" g="0" b="0"/>
+      </a:fillRef>
+      <a:effectRef idx="0">
+        <a:scrgbClr r="0" g="0" b="0"/>
+      </a:effectRef>
+      <a:fontRef idx="minor">
+        <a:schemeClr val="tx1"/>
+      </a:fontRef>
+    </dgm:style>
+  </dgm:styleLbl>
+  <dgm:styleLbl name="alignNode1">
+    <dgm:scene3d>
+      <a:camera prst="orthographicFront"/>
+      <a:lightRig rig="threePt" dir="t"/>
+    </dgm:scene3d>
+    <dgm:sp3d/>
+    <dgm:txPr/>
+    <dgm:style>
+      <a:lnRef idx="2">
+        <a:scrgbClr r="0" g="0" b="0"/>
+      </a:lnRef>
+      <a:fillRef idx="1">
+        <a:scrgbClr r="0" g="0" b="0"/>
+      </a:fillRef>
+      <a:effectRef idx="0">
+        <a:scrgbClr r="0" g="0" b="0"/>
+      </a:effectRef>
+      <a:fontRef idx="minor">
+        <a:schemeClr val="lt1"/>
+      </a:fontRef>
+    </dgm:style>
+  </dgm:styleLbl>
+  <dgm:styleLbl name="node1">
+    <dgm:scene3d>
+      <a:camera prst="orthographicFront"/>
+      <a:lightRig rig="threePt" dir="t"/>
+    </dgm:scene3d>
+    <dgm:sp3d/>
+    <dgm:txPr/>
+    <dgm:style>
+      <a:lnRef idx="2">
+        <a:scrgbClr r="0" g="0" b="0"/>
+      </a:lnRef>
+      <a:fillRef idx="1">
+        <a:scrgbClr r="0" g="0" b="0"/>
+      </a:fillRef>
+      <a:effectRef idx="0">
+        <a:scrgbClr r="0" g="0" b="0"/>
+      </a:effectRef>
+      <a:fontRef idx="minor">
+        <a:schemeClr val="lt1"/>
+      </a:fontRef>
+    </dgm:style>
+  </dgm:styleLbl>
+  <dgm:styleLbl name="node2">
+    <dgm:scene3d>
+      <a:camera prst="orthographicFront"/>
+      <a:lightRig rig="threePt" dir="t"/>
+    </dgm:scene3d>
+    <dgm:sp3d/>
+    <dgm:txPr/>
+    <dgm:style>
+      <a:lnRef idx="2">
+        <a:scrgbClr r="0" g="0" b="0"/>
+      </a:lnRef>
+      <a:fillRef idx="1">
+        <a:scrgbClr r="0" g="0" b="0"/>
+      </a:fillRef>
+      <a:effectRef idx="0">
+        <a:scrgbClr r="0" g="0" b="0"/>
+      </a:effectRef>
+      <a:fontRef idx="minor">
+        <a:schemeClr val="lt1"/>
+      </a:fontRef>
+    </dgm:style>
+  </dgm:styleLbl>
+  <dgm:styleLbl name="node3">
+    <dgm:scene3d>
+      <a:camera prst="orthographicFront"/>
+      <a:lightRig rig="threePt" dir="t"/>
+    </dgm:scene3d>
+    <dgm:sp3d/>
+    <dgm:txPr/>
+    <dgm:style>
+      <a:lnRef idx="2">
+        <a:scrgbClr r="0" g="0" b="0"/>
+      </a:lnRef>
+      <a:fillRef idx="1">
+        <a:scrgbClr r="0" g="0" b="0"/>
+      </a:fillRef>
+      <a:effectRef idx="0">
+        <a:scrgbClr r="0" g="0" b="0"/>
+      </a:effectRef>
+      <a:fontRef idx="minor">
+        <a:schemeClr val="lt1"/>
+      </a:fontRef>
+    </dgm:style>
+  </dgm:styleLbl>
+  <dgm:styleLbl name="node4">
+    <dgm:scene3d>
+      <a:camera prst="orthographicFront"/>
+      <a:lightRig rig="threePt" dir="t"/>
+    </dgm:scene3d>
+    <dgm:sp3d/>
+    <dgm:txPr/>
+    <dgm:style>
+      <a:lnRef idx="2">
+        <a:scrgbClr r="0" g="0" b="0"/>
+      </a:lnRef>
+      <a:fillRef idx="1">
+        <a:scrgbClr r="0" g="0" b="0"/>
+      </a:fillRef>
+      <a:effectRef idx="0">
+        <a:scrgbClr r="0" g="0" b="0"/>
+      </a:effectRef>
+      <a:fontRef idx="minor">
+        <a:schemeClr val="lt1"/>
+      </a:fontRef>
+    </dgm:style>
+  </dgm:styleLbl>
+  <dgm:styleLbl name="fgImgPlace1">
+    <dgm:scene3d>
+      <a:camera prst="orthographicFront"/>
+      <a:lightRig rig="threePt" dir="t"/>
+    </dgm:scene3d>
+    <dgm:sp3d/>
+    <dgm:txPr/>
+    <dgm:style>
+      <a:lnRef idx="2">
+        <a:scrgbClr r="0" g="0" b="0"/>
+      </a:lnRef>
+      <a:fillRef idx="1">
+        <a:scrgbClr r="0" g="0" b="0"/>
+      </a:fillRef>
+      <a:effectRef idx="0">
+        <a:scrgbClr r="0" g="0" b="0"/>
+      </a:effectRef>
+      <a:fontRef idx="minor"/>
+    </dgm:style>
+  </dgm:styleLbl>
+  <dgm:styleLbl name="alignImgPlace1">
+    <dgm:scene3d>
+      <a:camera prst="orthographicFront"/>
+      <a:lightRig rig="threePt" dir="t"/>
+    </dgm:scene3d>
+    <dgm:sp3d/>
+    <dgm:txPr/>
+    <dgm:style>
+      <a:lnRef idx="2">
+        <a:scrgbClr r="0" g="0" b="0"/>
+      </a:lnRef>
+      <a:fillRef idx="1">
+        <a:scrgbClr r="0" g="0" b="0"/>
+      </a:fillRef>
+      <a:effectRef idx="0">
+        <a:scrgbClr r="0" g="0" b="0"/>
+      </a:effectRef>
+      <a:fontRef idx="minor"/>
+    </dgm:style>
+  </dgm:styleLbl>
+  <dgm:styleLbl name="bgImgPlace1">
+    <dgm:scene3d>
+      <a:camera prst="orthographicFront"/>
+      <a:lightRig rig="threePt" dir="t"/>
+    </dgm:scene3d>
+    <dgm:sp3d/>
+    <dgm:txPr/>
+    <dgm:style>
+      <a:lnRef idx="2">
+        <a:scrgbClr r="0" g="0" b="0"/>
+      </a:lnRef>
+      <a:fillRef idx="1">
+        <a:scrgbClr r="0" g="0" b="0"/>
+      </a:fillRef>
+      <a:effectRef idx="0">
+        <a:scrgbClr r="0" g="0" b="0"/>
+      </a:effectRef>
+      <a:fontRef idx="minor"/>
+    </dgm:style>
+  </dgm:styleLbl>
+  <dgm:styleLbl name="sibTrans2D1">
+    <dgm:scene3d>
+      <a:camera prst="orthographicFront"/>
+      <a:lightRig rig="threePt" dir="t"/>
+    </dgm:scene3d>
+    <dgm:sp3d/>
+    <dgm:txPr/>
+    <dgm:style>
+      <a:lnRef idx="0">
+        <a:scrgbClr r="0" g="0" b="0"/>
+      </a:lnRef>
+      <a:fillRef idx="1">
+        <a:scrgbClr r="0" g="0" b="0"/>
+      </a:fillRef>
+      <a:effectRef idx="0">
+        <a:scrgbClr r="0" g="0" b="0"/>
+      </a:effectRef>
+      <a:fontRef idx="minor">
+        <a:schemeClr val="lt1"/>
+      </a:fontRef>
+    </dgm:style>
+  </dgm:styleLbl>
+  <dgm:styleLbl name="fgSibTrans2D1">
+    <dgm:scene3d>
+      <a:camera prst="orthographicFront"/>
+      <a:lightRig rig="threePt" dir="t"/>
+    </dgm:scene3d>
+    <dgm:sp3d/>
+    <dgm:txPr/>
+    <dgm:style>
+      <a:lnRef idx="0">
+        <a:scrgbClr r="0" g="0" b="0"/>
+      </a:lnRef>
+      <a:fillRef idx="1">
+        <a:scrgbClr r="0" g="0" b="0"/>
+      </a:fillRef>
+      <a:effectRef idx="0">
+        <a:scrgbClr r="0" g="0" b="0"/>
+      </a:effectRef>
+      <a:fontRef idx="minor">
+        <a:schemeClr val="lt1"/>
+      </a:fontRef>
+    </dgm:style>
+  </dgm:styleLbl>
+  <dgm:styleLbl name="bgSibTrans2D1">
+    <dgm:scene3d>
+      <a:camera prst="orthographicFront"/>
+      <a:lightRig rig="threePt" dir="t"/>
+    </dgm:scene3d>
+    <dgm:sp3d/>
+    <dgm:txPr/>
+    <dgm:style>
+      <a:lnRef idx="0">
+        <a:scrgbClr r="0" g="0" b="0"/>
+      </a:lnRef>
+      <a:fillRef idx="1">
+        <a:scrgbClr r="0" g="0" b="0"/>
+      </a:fillRef>
+      <a:effectRef idx="0">
+        <a:scrgbClr r="0" g="0" b="0"/>
+      </a:effectRef>
+      <a:fontRef idx="minor">
+        <a:schemeClr val="lt1"/>
+      </a:fontRef>
+    </dgm:style>
+  </dgm:styleLbl>
+  <dgm:styleLbl name="sibTrans1D1">
+    <dgm:scene3d>
+      <a:camera prst="orthographicFront"/>
+      <a:lightRig rig="threePt" dir="t"/>
+    </dgm:scene3d>
+    <dgm:sp3d/>
+    <dgm:txPr/>
+    <dgm:style>
+      <a:lnRef idx="1">
+        <a:scrgbClr r="0" g="0" b="0"/>
+      </a:lnRef>
+      <a:fillRef idx="0">
+        <a:scrgbClr r="0" g="0" b="0"/>
+      </a:fillRef>
+      <a:effectRef idx="0">
+        <a:scrgbClr r="0" g="0" b="0"/>
+      </a:effectRef>
+      <a:fontRef idx="minor"/>
+    </dgm:style>
+  </dgm:styleLbl>
+  <dgm:styleLbl name="callout">
+    <dgm:scene3d>
+      <a:camera prst="orthographicFront"/>
+      <a:lightRig rig="threePt" dir="t"/>
+    </dgm:scene3d>
+    <dgm:sp3d/>
+    <dgm:txPr/>
+    <dgm:style>
+      <a:lnRef idx="2">
+        <a:scrgbClr r="0" g="0" b="0"/>
+      </a:lnRef>
+      <a:fillRef idx="1">
+        <a:scrgbClr r="0" g="0" b="0"/>
+      </a:fillRef>
+      <a:effectRef idx="0">
+        <a:scrgbClr r="0" g="0" b="0"/>
+      </a:effectRef>
+      <a:fontRef idx="minor"/>
+    </dgm:style>
+  </dgm:styleLbl>
+  <dgm:styleLbl name="asst0">
+    <dgm:scene3d>
+      <a:camera prst="orthographicFront"/>
+      <a:lightRig rig="threePt" dir="t"/>
+    </dgm:scene3d>
+    <dgm:sp3d/>
+    <dgm:txPr/>
+    <dgm:style>
+      <a:lnRef idx="2">
+        <a:scrgbClr r="0" g="0" b="0"/>
+      </a:lnRef>
+      <a:fillRef idx="1">
+        <a:scrgbClr r="0" g="0" b="0"/>
+      </a:fillRef>
+      <a:effectRef idx="0">
+        <a:scrgbClr r="0" g="0" b="0"/>
+      </a:effectRef>
+      <a:fontRef idx="minor">
+        <a:schemeClr val="lt1"/>
+      </a:fontRef>
+    </dgm:style>
+  </dgm:styleLbl>
+  <dgm:styleLbl name="asst1">
+    <dgm:scene3d>
+      <a:camera prst="orthographicFront"/>
+      <a:lightRig rig="threePt" dir="t"/>
+    </dgm:scene3d>
+    <dgm:sp3d/>
+    <dgm:txPr/>
+    <dgm:style>
+      <a:lnRef idx="2">
+        <a:scrgbClr r="0" g="0" b="0"/>
+      </a:lnRef>
+      <a:fillRef idx="1">
+        <a:scrgbClr r="0" g="0" b="0"/>
+      </a:fillRef>
+      <a:effectRef idx="0">
+        <a:scrgbClr r="0" g="0" b="0"/>
+      </a:effectRef>
+      <a:fontRef idx="minor">
+        <a:schemeClr val="lt1"/>
+      </a:fontRef>
+    </dgm:style>
+  </dgm:styleLbl>
+  <dgm:styleLbl name="asst2">
+    <dgm:scene3d>
+      <a:camera prst="orthographicFront"/>
+      <a:lightRig rig="threePt" dir="t"/>
+    </dgm:scene3d>
+    <dgm:sp3d/>
+    <dgm:txPr/>
+    <dgm:style>
+      <a:lnRef idx="2">
+        <a:scrgbClr r="0" g="0" b="0"/>
+      </a:lnRef>
+      <a:fillRef idx="1">
+        <a:scrgbClr r="0" g="0" b="0"/>
+      </a:fillRef>
+      <a:effectRef idx="0">
+        <a:scrgbClr r="0" g="0" b="0"/>
+      </a:effectRef>
+      <a:fontRef idx="minor">
+        <a:schemeClr val="lt1"/>
+      </a:fontRef>
+    </dgm:style>
+  </dgm:styleLbl>
+  <dgm:styleLbl name="asst3">
+    <dgm:scene3d>
+      <a:camera prst="orthographicFront"/>
+      <a:lightRig rig="threePt" dir="t"/>
+    </dgm:scene3d>
+    <dgm:sp3d/>
+    <dgm:txPr/>
+    <dgm:style>
+      <a:lnRef idx="2">
+        <a:scrgbClr r="0" g="0" b="0"/>
+      </a:lnRef>
+      <a:fillRef idx="1">
+        <a:scrgbClr r="0" g="0" b="0"/>
+      </a:fillRef>
+      <a:effectRef idx="0">
+        <a:scrgbClr r="0" g="0" b="0"/>
+      </a:effectRef>
+      <a:fontRef idx="minor">
+        <a:schemeClr val="lt1"/>
+      </a:fontRef>
+    </dgm:style>
+  </dgm:styleLbl>
+  <dgm:styleLbl name="asst4">
+    <dgm:scene3d>
+      <a:camera prst="orthographicFront"/>
+      <a:lightRig rig="threePt" dir="t"/>
+    </dgm:scene3d>
+    <dgm:sp3d/>
+    <dgm:txPr/>
+    <dgm:style>
+      <a:lnRef idx="2">
+        <a:scrgbClr r="0" g="0" b="0"/>
+      </a:lnRef>
+      <a:fillRef idx="1">
+        <a:scrgbClr r="0" g="0" b="0"/>
+      </a:fillRef>
+      <a:effectRef idx="0">
+        <a:scrgbClr r="0" g="0" b="0"/>
+      </a:effectRef>
+      <a:fontRef idx="minor">
+        <a:schemeClr val="lt1"/>
+      </a:fontRef>
+    </dgm:style>
+  </dgm:styleLbl>
+  <dgm:styleLbl name="parChTrans2D1">
+    <dgm:scene3d>
+      <a:camera prst="orthographicFront"/>
+      <a:lightRig rig="threePt" dir="t"/>
+    </dgm:scene3d>
+    <dgm:sp3d/>
+    <dgm:txPr/>
+    <dgm:style>
+      <a:lnRef idx="2">
+        <a:scrgbClr r="0" g="0" b="0"/>
+      </a:lnRef>
+      <a:fillRef idx="1">
+        <a:scrgbClr r="0" g="0" b="0"/>
+      </a:fillRef>
+      <a:effectRef idx="0">
+        <a:scrgbClr r="0" g="0" b="0"/>
+      </a:effectRef>
+      <a:fontRef idx="minor">
+        <a:schemeClr val="lt1"/>
+      </a:fontRef>
+    </dgm:style>
+  </dgm:styleLbl>
+  <dgm:styleLbl name="parChTrans2D2">
+    <dgm:scene3d>
+      <a:camera prst="orthographicFront"/>
+      <a:lightRig rig="threePt" dir="t"/>
+    </dgm:scene3d>
+    <dgm:sp3d/>
+    <dgm:txPr/>
+    <dgm:style>
+      <a:lnRef idx="2">
+        <a:scrgbClr r="0" g="0" b="0"/>
+      </a:lnRef>
+      <a:fillRef idx="1">
+        <a:scrgbClr r="0" g="0" b="0"/>
+      </a:fillRef>
+      <a:effectRef idx="0">
+        <a:scrgbClr r="0" g="0" b="0"/>
+      </a:effectRef>
+      <a:fontRef idx="minor">
+        <a:schemeClr val="lt1"/>
+      </a:fontRef>
+    </dgm:style>
+  </dgm:styleLbl>
+  <dgm:styleLbl name="parChTrans2D3">
+    <dgm:scene3d>
+      <a:camera prst="orthographicFront"/>
+      <a:lightRig rig="threePt" dir="t"/>
+    </dgm:scene3d>
+    <dgm:sp3d/>
+    <dgm:txPr/>
+    <dgm:style>
+      <a:lnRef idx="2">
+        <a:scrgbClr r="0" g="0" b="0"/>
+      </a:lnRef>
+      <a:fillRef idx="1">
+        <a:scrgbClr r="0" g="0" b="0"/>
+      </a:fillRef>
+      <a:effectRef idx="0">
+        <a:scrgbClr r="0" g="0" b="0"/>
+      </a:effectRef>
+      <a:fontRef idx="minor">
+        <a:schemeClr val="lt1"/>
+      </a:fontRef>
+    </dgm:style>
+  </dgm:styleLbl>
+  <dgm:styleLbl name="parChTrans2D4">
+    <dgm:scene3d>
+      <a:camera prst="orthographicFront"/>
+      <a:lightRig rig="threePt" dir="t"/>
+    </dgm:scene3d>
+    <dgm:sp3d/>
+    <dgm:txPr/>
+    <dgm:style>
+      <a:lnRef idx="2">
+        <a:scrgbClr r="0" g="0" b="0"/>
+      </a:lnRef>
+      <a:fillRef idx="1">
+        <a:scrgbClr r="0" g="0" b="0"/>
+      </a:fillRef>
+      <a:effectRef idx="0">
+        <a:scrgbClr r="0" g="0" b="0"/>
+      </a:effectRef>
+      <a:fontRef idx="minor">
+        <a:schemeClr val="lt1"/>
+      </a:fontRef>
+    </dgm:style>
+  </dgm:styleLbl>
+  <dgm:styleLbl name="parChTrans1D1">
+    <dgm:scene3d>
+      <a:camera prst="orthographicFront"/>
+      <a:lightRig rig="threePt" dir="t"/>
+    </dgm:scene3d>
+    <dgm:sp3d/>
+    <dgm:txPr/>
+    <dgm:style>
+      <a:lnRef idx="2">
+        <a:scrgbClr r="0" g="0" b="0"/>
+      </a:lnRef>
+      <a:fillRef idx="0">
+        <a:scrgbClr r="0" g="0" b="0"/>
+      </a:fillRef>
+      <a:effectRef idx="0">
+        <a:scrgbClr r="0" g="0" b="0"/>
+      </a:effectRef>
+      <a:fontRef idx="minor"/>
+    </dgm:style>
+  </dgm:styleLbl>
+  <dgm:styleLbl name="parChTrans1D2">
+    <dgm:scene3d>
+      <a:camera prst="orthographicFront"/>
+      <a:lightRig rig="threePt" dir="t"/>
+    </dgm:scene3d>
+    <dgm:sp3d/>
+    <dgm:txPr/>
+    <dgm:style>
+      <a:lnRef idx="2">
+        <a:scrgbClr r="0" g="0" b="0"/>
+      </a:lnRef>
+      <a:fillRef idx="0">
+        <a:scrgbClr r="0" g="0" b="0"/>
+      </a:fillRef>
+      <a:effectRef idx="0">
+        <a:scrgbClr r="0" g="0" b="0"/>
+      </a:effectRef>
+      <a:fontRef idx="minor"/>
+    </dgm:style>
+  </dgm:styleLbl>
+  <dgm:styleLbl name="parChTrans1D3">
+    <dgm:scene3d>
+      <a:camera prst="orthographicFront"/>
+      <a:lightRig rig="threePt" dir="t"/>
+    </dgm:scene3d>
+    <dgm:sp3d/>
+    <dgm:txPr/>
+    <dgm:style>
+      <a:lnRef idx="2">
+        <a:scrgbClr r="0" g="0" b="0"/>
+      </a:lnRef>
+      <a:fillRef idx="0">
+        <a:scrgbClr r="0" g="0" b="0"/>
+      </a:fillRef>
+      <a:effectRef idx="0">
+        <a:scrgbClr r="0" g="0" b="0"/>
+      </a:effectRef>
+      <a:fontRef idx="minor"/>
+    </dgm:style>
+  </dgm:styleLbl>
+  <dgm:styleLbl name="parChTrans1D4">
+    <dgm:scene3d>
+      <a:camera prst="orthographicFront"/>
+      <a:lightRig rig="threePt" dir="t"/>
+    </dgm:scene3d>
+    <dgm:sp3d/>
+    <dgm:txPr/>
+    <dgm:style>
+      <a:lnRef idx="2">
+        <a:scrgbClr r="0" g="0" b="0"/>
+      </a:lnRef>
+      <a:fillRef idx="0">
+        <a:scrgbClr r="0" g="0" b="0"/>
+      </a:fillRef>
+      <a:effectRef idx="0">
+        <a:scrgbClr r="0" g="0" b="0"/>
+      </a:effectRef>
+      <a:fontRef idx="minor"/>
+    </dgm:style>
+  </dgm:styleLbl>
+  <dgm:styleLbl name="fgAcc1">
+    <dgm:scene3d>
+      <a:camera prst="orthographicFront"/>
+      <a:lightRig rig="threePt" dir="t"/>
+    </dgm:scene3d>
+    <dgm:sp3d/>
+    <dgm:txPr/>
+    <dgm:style>
+      <a:lnRef idx="2">
+        <a:scrgbClr r="0" g="0" b="0"/>
+      </a:lnRef>
+      <a:fillRef idx="1">
+        <a:scrgbClr r="0" g="0" b="0"/>
+      </a:fillRef>
+      <a:effectRef idx="0">
+        <a:scrgbClr r="0" g="0" b="0"/>
+      </a:effectRef>
+      <a:fontRef idx="minor"/>
+    </dgm:style>
+  </dgm:styleLbl>
+  <dgm:styleLbl name="conFgAcc1">
+    <dgm:scene3d>
+      <a:camera prst="orthographicFront"/>
+      <a:lightRig rig="threePt" dir="t"/>
+    </dgm:scene3d>
+    <dgm:sp3d/>
+    <dgm:txPr/>
+    <dgm:style>
+      <a:lnRef idx="2">
+        <a:scrgbClr r="0" g="0" b="0"/>
+      </a:lnRef>
+      <a:fillRef idx="1">
+        <a:scrgbClr r="0" g="0" b="0"/>
+      </a:fillRef>
+      <a:effectRef idx="0">
+        <a:scrgbClr r="0" g="0" b="0"/>
+      </a:effectRef>
+      <a:fontRef idx="minor"/>
+    </dgm:style>
+  </dgm:styleLbl>
+  <dgm:styleLbl name="alignAcc1">
+    <dgm:scene3d>
+      <a:camera prst="orthographicFront"/>
+      <a:lightRig rig="threePt" dir="t"/>
+    </dgm:scene3d>
+    <dgm:sp3d/>
+    <dgm:txPr/>
+    <dgm:style>
+      <a:lnRef idx="2">
+        <a:scrgbClr r="0" g="0" b="0"/>
+      </a:lnRef>
+      <a:fillRef idx="1">
+        <a:scrgbClr r="0" g="0" b="0"/>
+      </a:fillRef>
+      <a:effectRef idx="0">
+        <a:scrgbClr r="0" g="0" b="0"/>
+      </a:effectRef>
+      <a:fontRef idx="minor"/>
+    </dgm:style>
+  </dgm:styleLbl>
+  <dgm:styleLbl name="trAlignAcc1">
+    <dgm:scene3d>
+      <a:camera prst="orthographicFront"/>
+      <a:lightRig rig="threePt" dir="t"/>
+    </dgm:scene3d>
+    <dgm:sp3d/>
+    <dgm:txPr/>
+    <dgm:style>
+      <a:lnRef idx="1">
+        <a:scrgbClr r="0" g="0" b="0"/>
+      </a:lnRef>
+      <a:fillRef idx="1">
+        <a:scrgbClr r="0" g="0" b="0"/>
+      </a:fillRef>
+      <a:effectRef idx="0">
+        <a:scrgbClr r="0" g="0" b="0"/>
+      </a:effectRef>
+      <a:fontRef idx="minor"/>
+    </dgm:style>
+  </dgm:styleLbl>
+  <dgm:styleLbl name="bgAcc1">
+    <dgm:scene3d>
+      <a:camera prst="orthographicFront"/>
+      <a:lightRig rig="threePt" dir="t"/>
+    </dgm:scene3d>
+    <dgm:sp3d/>
+    <dgm:txPr/>
+    <dgm:style>
+      <a:lnRef idx="2">
+        <a:scrgbClr r="0" g="0" b="0"/>
+      </a:lnRef>
+      <a:fillRef idx="1">
+        <a:scrgbClr r="0" g="0" b="0"/>
+      </a:fillRef>
+      <a:effectRef idx="0">
+        <a:scrgbClr r="0" g="0" b="0"/>
+      </a:effectRef>
+      <a:fontRef idx="minor"/>
+    </dgm:style>
+  </dgm:styleLbl>
+  <dgm:styleLbl name="solidFgAcc1">
+    <dgm:scene3d>
+      <a:camera prst="orthographicFront"/>
+      <a:lightRig rig="threePt" dir="t"/>
+    </dgm:scene3d>
+    <dgm:sp3d/>
+    <dgm:txPr/>
+    <dgm:style>
+      <a:lnRef idx="2">
+        <a:scrgbClr r="0" g="0" b="0"/>
+      </a:lnRef>
+      <a:fillRef idx="1">
+        <a:scrgbClr r="0" g="0" b="0"/>
+      </a:fillRef>
+      <a:effectRef idx="0">
+        <a:scrgbClr r="0" g="0" b="0"/>
+      </a:effectRef>
+      <a:fontRef idx="minor"/>
+    </dgm:style>
+  </dgm:styleLbl>
+  <dgm:styleLbl name="solidAlignAcc1">
+    <dgm:scene3d>
+      <a:camera prst="orthographicFront"/>
+      <a:lightRig rig="threePt" dir="t"/>
+    </dgm:scene3d>
+    <dgm:sp3d/>
+    <dgm:txPr/>
+    <dgm:style>
+      <a:lnRef idx="2">
+        <a:scrgbClr r="0" g="0" b="0"/>
+      </a:lnRef>
+      <a:fillRef idx="1">
+        <a:scrgbClr r="0" g="0" b="0"/>
+      </a:fillRef>
+      <a:effectRef idx="0">
+        <a:scrgbClr r="0" g="0" b="0"/>
+      </a:effectRef>
+      <a:fontRef idx="minor"/>
+    </dgm:style>
+  </dgm:styleLbl>
+  <dgm:styleLbl name="solidBgAcc1">
+    <dgm:scene3d>
+      <a:camera prst="orthographicFront"/>
+      <a:lightRig rig="threePt" dir="t"/>
+    </dgm:scene3d>
+    <dgm:sp3d/>
+    <dgm:txPr/>
+    <dgm:style>
+      <a:lnRef idx="2">
+        <a:scrgbClr r="0" g="0" b="0"/>
+      </a:lnRef>
+      <a:fillRef idx="1">
+        <a:scrgbClr r="0" g="0" b="0"/>
+      </a:fillRef>
+      <a:effectRef idx="0">
+        <a:scrgbClr r="0" g="0" b="0"/>
+      </a:effectRef>
+      <a:fontRef idx="minor"/>
+    </dgm:style>
+  </dgm:styleLbl>
+  <dgm:styleLbl name="fgAccFollowNode1">
+    <dgm:scene3d>
+      <a:camera prst="orthographicFront"/>
+      <a:lightRig rig="threePt" dir="t"/>
+    </dgm:scene3d>
+    <dgm:sp3d/>
+    <dgm:txPr/>
+    <dgm:style>
+      <a:lnRef idx="2">
+        <a:scrgbClr r="0" g="0" b="0"/>
+      </a:lnRef>
+      <a:fillRef idx="1">
+        <a:scrgbClr r="0" g="0" b="0"/>
+      </a:fillRef>
+      <a:effectRef idx="0">
+        <a:scrgbClr r="0" g="0" b="0"/>
+      </a:effectRef>
+      <a:fontRef idx="minor"/>
+    </dgm:style>
+  </dgm:styleLbl>
+  <dgm:styleLbl name="alignAccFollowNode1">
+    <dgm:scene3d>
+      <a:camera prst="orthographicFront"/>
+      <a:lightRig rig="threePt" dir="t"/>
+    </dgm:scene3d>
+    <dgm:sp3d/>
+    <dgm:txPr/>
+    <dgm:style>
+      <a:lnRef idx="2">
+        <a:scrgbClr r="0" g="0" b="0"/>
+      </a:lnRef>
+      <a:fillRef idx="1">
+        <a:scrgbClr r="0" g="0" b="0"/>
+      </a:fillRef>
+      <a:effectRef idx="0">
+        <a:scrgbClr r="0" g="0" b="0"/>
+      </a:effectRef>
+      <a:fontRef idx="minor"/>
+    </dgm:style>
+  </dgm:styleLbl>
+  <dgm:styleLbl name="bgAccFollowNode1">
+    <dgm:scene3d>
+      <a:camera prst="orthographicFront"/>
+      <a:lightRig rig="threePt" dir="t"/>
+    </dgm:scene3d>
+    <dgm:sp3d/>
+    <dgm:txPr/>
+    <dgm:style>
+      <a:lnRef idx="2">
+        <a:scrgbClr r="0" g="0" b="0"/>
+      </a:lnRef>
+      <a:fillRef idx="1">
+        <a:scrgbClr r="0" g="0" b="0"/>
+      </a:fillRef>
+      <a:effectRef idx="0">
+        <a:scrgbClr r="0" g="0" b="0"/>
+      </a:effectRef>
+      <a:fontRef idx="minor"/>
+    </dgm:style>
+  </dgm:styleLbl>
+  <dgm:styleLbl name="fgAcc0">
+    <dgm:scene3d>
+      <a:camera prst="orthographicFront"/>
+      <a:lightRig rig="threePt" dir="t"/>
+    </dgm:scene3d>
+    <dgm:sp3d/>
+    <dgm:txPr/>
+    <dgm:style>
+      <a:lnRef idx="2">
+        <a:scrgbClr r="0" g="0" b="0"/>
+      </a:lnRef>
+      <a:fillRef idx="1">
+        <a:scrgbClr r="0" g="0" b="0"/>
+      </a:fillRef>
+      <a:effectRef idx="0">
+        <a:scrgbClr r="0" g="0" b="0"/>
+      </a:effectRef>
+      <a:fontRef idx="minor"/>
+    </dgm:style>
+  </dgm:styleLbl>
+  <dgm:styleLbl name="fgAcc2">
+    <dgm:scene3d>
+      <a:camera prst="orthographicFront"/>
+      <a:lightRig rig="threePt" dir="t"/>
+    </dgm:scene3d>
+    <dgm:sp3d/>
+    <dgm:txPr/>
+    <dgm:style>
+      <a:lnRef idx="2">
+        <a:scrgbClr r="0" g="0" b="0"/>
+      </a:lnRef>
+      <a:fillRef idx="1">
+        <a:scrgbClr r="0" g="0" b="0"/>
+      </a:fillRef>
+      <a:effectRef idx="0">
+        <a:scrgbClr r="0" g="0" b="0"/>
+      </a:effectRef>
+      <a:fontRef idx="minor"/>
+    </dgm:style>
+  </dgm:styleLbl>
+  <dgm:styleLbl name="fgAcc3">
+    <dgm:scene3d>
+      <a:camera prst="orthographicFront"/>
+      <a:lightRig rig="threePt" dir="t"/>
+    </dgm:scene3d>
+    <dgm:sp3d/>
+    <dgm:txPr/>
+    <dgm:style>
+      <a:lnRef idx="2">
+        <a:scrgbClr r="0" g="0" b="0"/>
+      </a:lnRef>
+      <a:fillRef idx="1">
+        <a:scrgbClr r="0" g="0" b="0"/>
+      </a:fillRef>
+      <a:effectRef idx="0">
+        <a:scrgbClr r="0" g="0" b="0"/>
+      </a:effectRef>
+      <a:fontRef idx="minor"/>
+    </dgm:style>
+  </dgm:styleLbl>
+  <dgm:styleLbl name="fgAcc4">
+    <dgm:scene3d>
+      <a:camera prst="orthographicFront"/>
+      <a:lightRig rig="threePt" dir="t"/>
+    </dgm:scene3d>
+    <dgm:sp3d/>
+    <dgm:txPr/>
+    <dgm:style>
+      <a:lnRef idx="2">
+        <a:scrgbClr r="0" g="0" b="0"/>
+      </a:lnRef>
+      <a:fillRef idx="1">
+        <a:scrgbClr r="0" g="0" b="0"/>
+      </a:fillRef>
+      <a:effectRef idx="0">
+        <a:scrgbClr r="0" g="0" b="0"/>
+      </a:effectRef>
+      <a:fontRef idx="minor"/>
+    </dgm:style>
+  </dgm:styleLbl>
+  <dgm:styleLbl name="bgShp">
+    <dgm:scene3d>
+      <a:camera prst="orthographicFront"/>
+      <a:lightRig rig="threePt" dir="t"/>
+    </dgm:scene3d>
+    <dgm:sp3d/>
+    <dgm:txPr/>
+    <dgm:style>
+      <a:lnRef idx="0">
+        <a:scrgbClr r="0" g="0" b="0"/>
+      </a:lnRef>
+      <a:fillRef idx="1">
+        <a:scrgbClr r="0" g="0" b="0"/>
+      </a:fillRef>
+      <a:effectRef idx="0">
+        <a:scrgbClr r="0" g="0" b="0"/>
+      </a:effectRef>
+      <a:fontRef idx="minor"/>
+    </dgm:style>
+  </dgm:styleLbl>
+  <dgm:styleLbl name="dkBgShp">
+    <dgm:scene3d>
+      <a:camera prst="orthographicFront"/>
+      <a:lightRig rig="threePt" dir="t"/>
+    </dgm:scene3d>
+    <dgm:sp3d/>
+    <dgm:txPr/>
+    <dgm:style>
+      <a:lnRef idx="0">
+        <a:scrgbClr r="0" g="0" b="0"/>
+      </a:lnRef>
+      <a:fillRef idx="1">
+        <a:scrgbClr r="0" g="0" b="0"/>
+      </a:fillRef>
+      <a:effectRef idx="0">
+        <a:scrgbClr r="0" g="0" b="0"/>
+      </a:effectRef>
+      <a:fontRef idx="minor"/>
+    </dgm:style>
+  </dgm:styleLbl>
+  <dgm:styleLbl name="trBgShp">
+    <dgm:scene3d>
+      <a:camera prst="orthographicFront"/>
+      <a:lightRig rig="threePt" dir="t"/>
+    </dgm:scene3d>
+    <dgm:sp3d/>
+    <dgm:txPr/>
+    <dgm:style>
+      <a:lnRef idx="0">
+        <a:scrgbClr r="0" g="0" b="0"/>
+      </a:lnRef>
+      <a:fillRef idx="1">
+        <a:scrgbClr r="0" g="0" b="0"/>
+      </a:fillRef>
+      <a:effectRef idx="0">
+        <a:scrgbClr r="0" g="0" b="0"/>
+      </a:effectRef>
+      <a:fontRef idx="minor"/>
+    </dgm:style>
+  </dgm:styleLbl>
+  <dgm:styleLbl name="fgShp">
+    <dgm:scene3d>
+      <a:camera prst="orthographicFront"/>
+      <a:lightRig rig="threePt" dir="t"/>
+    </dgm:scene3d>
+    <dgm:sp3d/>
+    <dgm:txPr/>
+    <dgm:style>
+      <a:lnRef idx="2">
+        <a:scrgbClr r="0" g="0" b="0"/>
+      </a:lnRef>
+      <a:fillRef idx="1">
+        <a:scrgbClr r="0" g="0" b="0"/>
+      </a:fillRef>
+      <a:effectRef idx="0">
+        <a:scrgbClr r="0" g="0" b="0"/>
+      </a:effectRef>
+      <a:fontRef idx="minor"/>
+    </dgm:style>
+  </dgm:styleLbl>
+  <dgm:styleLbl name="revTx">
+    <dgm:scene3d>
+      <a:camera prst="orthographicFront"/>
+      <a:lightRig rig="threePt" dir="t"/>
+    </dgm:scene3d>
+    <dgm:sp3d/>
+    <dgm:txPr/>
+    <dgm:style>
+      <a:lnRef idx="0">
+        <a:scrgbClr r="0" g="0" b="0"/>
+      </a:lnRef>
+      <a:fillRef idx="0">
+        <a:scrgbClr r="0" g="0" b="0"/>
+      </a:fillRef>
+      <a:effectRef idx="0">
+        <a:scrgbClr r="0" g="0" b="0"/>
+      </a:effectRef>
+      <a:fontRef idx="minor"/>
+    </dgm:style>
+  </dgm:styleLbl>
+</dgm:styleDef>
+</file>
+
+<file path=ppt/diagrams/quickStyle2.xml><?xml version="1.0" encoding="utf-8"?>
 <dgm:styleDef xmlns:dgm="http://schemas.openxmlformats.org/drawingml/2006/diagram" xmlns:a="http://schemas.openxmlformats.org/drawingml/2006/main" uniqueId="urn:microsoft.com/office/officeart/2005/8/quickstyle/simple2">
   <dgm:title val=""/>
   <dgm:desc val=""/>
@@ -7729,56 +9987,31 @@
           </a:p>
         </p:txBody>
       </p:sp>
-      <p:sp>
-        <p:nvSpPr>
-          <p:cNvPr id="14" name="Content Placeholder 13"/>
-          <p:cNvSpPr>
-            <a:spLocks noGrp="1"/>
-          </p:cNvSpPr>
+      <p:graphicFrame>
+        <p:nvGraphicFramePr>
+          <p:cNvPr id="3" name="Content Placeholder 2"/>
+          <p:cNvGraphicFramePr>
+            <a:graphicFrameLocks noGrp="1"/>
+          </p:cNvGraphicFramePr>
           <p:nvPr>
             <p:ph idx="1"/>
+            <p:extLst>
+              <p:ext uri="{D42A27DB-BD31-4B8C-83A1-F6EECF244321}">
+                <p14:modId xmlns:p14="http://schemas.microsoft.com/office/powerpoint/2010/main" val="2226710654"/>
+              </p:ext>
+            </p:extLst>
           </p:nvPr>
-        </p:nvSpPr>
-        <p:spPr/>
-        <p:txBody>
-          <a:bodyPr/>
-          <a:lstStyle/>
-          <a:p>
-            <a:pPr marL="457200" indent="-457200">
-              <a:buFont typeface="+mj-lt"/>
-              <a:buAutoNum type="arabicPeriod"/>
-            </a:pPr>
-            <a:r>
-              <a:rPr lang="en-US" smtClean="0">
-                <a:latin typeface="Arial" panose="020B0604020202020204" pitchFamily="34" charset="0"/>
-                <a:cs typeface="Arial" panose="020B0604020202020204" pitchFamily="34" charset="0"/>
-              </a:rPr>
-              <a:t>Zotero là gì ?</a:t>
-            </a:r>
-            <a:endParaRPr lang="en-US">
-              <a:latin typeface="Arial" panose="020B0604020202020204" pitchFamily="34" charset="0"/>
-              <a:cs typeface="Arial" panose="020B0604020202020204" pitchFamily="34" charset="0"/>
-            </a:endParaRPr>
-          </a:p>
-          <a:p>
-            <a:pPr marL="457200" indent="-457200">
-              <a:buFont typeface="+mj-lt"/>
-              <a:buAutoNum type="arabicPeriod"/>
-            </a:pPr>
-            <a:r>
-              <a:rPr lang="en-US" smtClean="0">
-                <a:latin typeface="Arial" panose="020B0604020202020204" pitchFamily="34" charset="0"/>
-                <a:cs typeface="Arial" panose="020B0604020202020204" pitchFamily="34" charset="0"/>
-              </a:rPr>
-              <a:t>Tính năng nổi bật. </a:t>
-            </a:r>
-            <a:endParaRPr lang="en-US">
-              <a:latin typeface="Arial" panose="020B0604020202020204" pitchFamily="34" charset="0"/>
-              <a:cs typeface="Arial" panose="020B0604020202020204" pitchFamily="34" charset="0"/>
-            </a:endParaRPr>
-          </a:p>
-        </p:txBody>
-      </p:sp>
+        </p:nvGraphicFramePr>
+        <p:xfrm>
+          <a:off x="1598612" y="2514600"/>
+          <a:ext cx="6772191" cy="2438401"/>
+        </p:xfrm>
+        <a:graphic>
+          <a:graphicData uri="http://schemas.openxmlformats.org/drawingml/2006/diagram">
+            <dgm:relIds xmlns:dgm="http://schemas.openxmlformats.org/drawingml/2006/diagram" xmlns:r="http://schemas.openxmlformats.org/officeDocument/2006/relationships" r:dm="rId2" r:lo="rId3" r:qs="rId4" r:cs="rId5"/>
+          </a:graphicData>
+        </a:graphic>
+      </p:graphicFrame>
     </p:spTree>
     <p:extLst>
       <p:ext uri="{BB962C8B-B14F-4D97-AF65-F5344CB8AC3E}">
@@ -7865,7 +10098,11 @@
             </a:r>
             <a:r>
               <a:rPr lang="en-US" smtClean="0"/>
-              <a:t>là gì ?</a:t>
+              <a:t>là </a:t>
+            </a:r>
+            <a:r>
+              <a:rPr lang="en-US" smtClean="0"/>
+              <a:t>gì?</a:t>
             </a:r>
             <a:endParaRPr lang="en-US" dirty="0"/>
           </a:p>
@@ -8211,7 +10448,14 @@
                 <a:latin typeface="Arial" panose="020B0604020202020204" pitchFamily="34" charset="0"/>
                 <a:cs typeface="Arial" panose="020B0604020202020204" pitchFamily="34" charset="0"/>
               </a:rPr>
-              <a:t>nổi bật gì ?</a:t>
+              <a:t>nổi bật </a:t>
+            </a:r>
+            <a:r>
+              <a:rPr lang="en-US" smtClean="0">
+                <a:latin typeface="Arial" panose="020B0604020202020204" pitchFamily="34" charset="0"/>
+                <a:cs typeface="Arial" panose="020B0604020202020204" pitchFamily="34" charset="0"/>
+              </a:rPr>
+              <a:t>gì?</a:t>
             </a:r>
             <a:endParaRPr lang="en-US" dirty="0">
               <a:latin typeface="Arial" panose="020B0604020202020204" pitchFamily="34" charset="0"/>
